--- a/REMITLY.pptx
+++ b/REMITLY.pptx
@@ -1,12 +1,21 @@
 
 <file path=ppt/presentation.xml><?xml version="1.0" encoding="utf-8"?>
-<p:presentation xmlns:a="http://schemas.openxmlformats.org/drawingml/2006/main" xmlns:r="http://schemas.openxmlformats.org/officeDocument/2006/relationships" xmlns:p="http://schemas.openxmlformats.org/presentationml/2006/main" autoCompressPictures="0">
+<p:presentation xmlns:a="http://schemas.openxmlformats.org/drawingml/2006/main" xmlns:r="http://schemas.openxmlformats.org/officeDocument/2006/relationships" xmlns:p="http://schemas.openxmlformats.org/presentationml/2006/main" showSpecialPlsOnTitleSld="0" autoCompressPictures="0">
   <p:sldMasterIdLst>
     <p:sldMasterId id="2147483648" r:id="rId1"/>
   </p:sldMasterIdLst>
+  <p:notesMasterIdLst>
+    <p:notesMasterId r:id="rId10"/>
+  </p:notesMasterIdLst>
   <p:sldIdLst>
     <p:sldId id="256" r:id="rId2"/>
     <p:sldId id="257" r:id="rId3"/>
+    <p:sldId id="258" r:id="rId4"/>
+    <p:sldId id="259" r:id="rId5"/>
+    <p:sldId id="260" r:id="rId6"/>
+    <p:sldId id="261" r:id="rId7"/>
+    <p:sldId id="263" r:id="rId8"/>
+    <p:sldId id="262" r:id="rId9"/>
   </p:sldIdLst>
   <p:sldSz cx="12192000" cy="6858000"/>
   <p:notesSz cx="6858000" cy="9144000"/>
@@ -105,7 +114,361 @@
       </a:defRPr>
     </a:lvl9pPr>
   </p:defaultTextStyle>
+  <p:extLst>
+    <p:ext uri="{EFAFB233-063F-42B5-8137-9DF3F51BA10A}">
+      <p15:sldGuideLst xmlns:p15="http://schemas.microsoft.com/office/powerpoint/2012/main"/>
+    </p:ext>
+  </p:extLst>
 </p:presentation>
+</file>
+
+<file path=ppt/notesMasters/notesMaster1.xml><?xml version="1.0" encoding="utf-8"?>
+<p:notesMaster xmlns:a="http://schemas.openxmlformats.org/drawingml/2006/main" xmlns:r="http://schemas.openxmlformats.org/officeDocument/2006/relationships" xmlns:p="http://schemas.openxmlformats.org/presentationml/2006/main">
+  <p:cSld>
+    <p:bg>
+      <p:bgRef idx="1001">
+        <a:schemeClr val="bg1"/>
+      </p:bgRef>
+    </p:bg>
+    <p:spTree>
+      <p:nvGrpSpPr>
+        <p:cNvPr id="1" name=""/>
+        <p:cNvGrpSpPr/>
+        <p:nvPr/>
+      </p:nvGrpSpPr>
+      <p:grpSpPr>
+        <a:xfrm>
+          <a:off x="0" y="0"/>
+          <a:ext cx="0" cy="0"/>
+          <a:chOff x="0" y="0"/>
+          <a:chExt cx="0" cy="0"/>
+        </a:xfrm>
+      </p:grpSpPr>
+      <p:sp>
+        <p:nvSpPr>
+          <p:cNvPr id="2" name="Header Placeholder 1"/>
+          <p:cNvSpPr>
+            <a:spLocks noGrp="1"/>
+          </p:cNvSpPr>
+          <p:nvPr>
+            <p:ph type="hdr" sz="quarter"/>
+          </p:nvPr>
+        </p:nvSpPr>
+        <p:spPr>
+          <a:xfrm>
+            <a:off x="0" y="0"/>
+            <a:ext cx="2971800" cy="458788"/>
+          </a:xfrm>
+          <a:prstGeom prst="rect">
+            <a:avLst/>
+          </a:prstGeom>
+        </p:spPr>
+        <p:txBody>
+          <a:bodyPr vert="horz" lIns="91440" tIns="45720" rIns="91440" bIns="45720" rtlCol="0"/>
+          <a:lstStyle>
+            <a:lvl1pPr algn="l">
+              <a:defRPr sz="1200"/>
+            </a:lvl1pPr>
+          </a:lstStyle>
+          <a:p>
+            <a:endParaRPr lang="en-US"/>
+          </a:p>
+        </p:txBody>
+      </p:sp>
+      <p:sp>
+        <p:nvSpPr>
+          <p:cNvPr id="3" name="Date Placeholder 2"/>
+          <p:cNvSpPr>
+            <a:spLocks noGrp="1"/>
+          </p:cNvSpPr>
+          <p:nvPr>
+            <p:ph type="dt" idx="1"/>
+          </p:nvPr>
+        </p:nvSpPr>
+        <p:spPr>
+          <a:xfrm>
+            <a:off x="3884613" y="0"/>
+            <a:ext cx="2971800" cy="458788"/>
+          </a:xfrm>
+          <a:prstGeom prst="rect">
+            <a:avLst/>
+          </a:prstGeom>
+        </p:spPr>
+        <p:txBody>
+          <a:bodyPr vert="horz" lIns="91440" tIns="45720" rIns="91440" bIns="45720" rtlCol="0"/>
+          <a:lstStyle>
+            <a:lvl1pPr algn="r">
+              <a:defRPr sz="1200"/>
+            </a:lvl1pPr>
+          </a:lstStyle>
+          <a:p>
+            <a:fld id="{24CA49E8-FC73-4944-A31B-066AF3171412}" type="datetimeFigureOut">
+              <a:rPr lang="en-US" smtClean="0"/>
+              <a:t>12/14/19</a:t>
+            </a:fld>
+            <a:endParaRPr lang="en-US"/>
+          </a:p>
+        </p:txBody>
+      </p:sp>
+      <p:sp>
+        <p:nvSpPr>
+          <p:cNvPr id="4" name="Slide Image Placeholder 3"/>
+          <p:cNvSpPr>
+            <a:spLocks noGrp="1" noRot="1" noChangeAspect="1"/>
+          </p:cNvSpPr>
+          <p:nvPr>
+            <p:ph type="sldImg" idx="2"/>
+          </p:nvPr>
+        </p:nvSpPr>
+        <p:spPr>
+          <a:xfrm>
+            <a:off x="685800" y="1143000"/>
+            <a:ext cx="5486400" cy="3086100"/>
+          </a:xfrm>
+          <a:prstGeom prst="rect">
+            <a:avLst/>
+          </a:prstGeom>
+          <a:noFill/>
+          <a:ln w="12700">
+            <a:solidFill>
+              <a:prstClr val="black"/>
+            </a:solidFill>
+          </a:ln>
+        </p:spPr>
+        <p:txBody>
+          <a:bodyPr vert="horz" lIns="91440" tIns="45720" rIns="91440" bIns="45720" rtlCol="0" anchor="ctr"/>
+          <a:lstStyle/>
+          <a:p>
+            <a:endParaRPr lang="en-US"/>
+          </a:p>
+        </p:txBody>
+      </p:sp>
+      <p:sp>
+        <p:nvSpPr>
+          <p:cNvPr id="5" name="Notes Placeholder 4"/>
+          <p:cNvSpPr>
+            <a:spLocks noGrp="1"/>
+          </p:cNvSpPr>
+          <p:nvPr>
+            <p:ph type="body" sz="quarter" idx="3"/>
+          </p:nvPr>
+        </p:nvSpPr>
+        <p:spPr>
+          <a:xfrm>
+            <a:off x="685800" y="4400550"/>
+            <a:ext cx="5486400" cy="3600450"/>
+          </a:xfrm>
+          <a:prstGeom prst="rect">
+            <a:avLst/>
+          </a:prstGeom>
+        </p:spPr>
+        <p:txBody>
+          <a:bodyPr vert="horz" lIns="91440" tIns="45720" rIns="91440" bIns="45720" rtlCol="0"/>
+          <a:lstStyle/>
+          <a:p>
+            <a:pPr lvl="0"/>
+            <a:r>
+              <a:rPr lang="en-US"/>
+              <a:t>Edit Master text styles</a:t>
+            </a:r>
+          </a:p>
+          <a:p>
+            <a:pPr lvl="1"/>
+            <a:r>
+              <a:rPr lang="en-US"/>
+              <a:t>Second level</a:t>
+            </a:r>
+          </a:p>
+          <a:p>
+            <a:pPr lvl="2"/>
+            <a:r>
+              <a:rPr lang="en-US"/>
+              <a:t>Third level</a:t>
+            </a:r>
+          </a:p>
+          <a:p>
+            <a:pPr lvl="3"/>
+            <a:r>
+              <a:rPr lang="en-US"/>
+              <a:t>Fourth level</a:t>
+            </a:r>
+          </a:p>
+          <a:p>
+            <a:pPr lvl="4"/>
+            <a:r>
+              <a:rPr lang="en-US"/>
+              <a:t>Fifth level</a:t>
+            </a:r>
+          </a:p>
+        </p:txBody>
+      </p:sp>
+      <p:sp>
+        <p:nvSpPr>
+          <p:cNvPr id="6" name="Footer Placeholder 5"/>
+          <p:cNvSpPr>
+            <a:spLocks noGrp="1"/>
+          </p:cNvSpPr>
+          <p:nvPr>
+            <p:ph type="ftr" sz="quarter" idx="4"/>
+          </p:nvPr>
+        </p:nvSpPr>
+        <p:spPr>
+          <a:xfrm>
+            <a:off x="0" y="8685213"/>
+            <a:ext cx="2971800" cy="458787"/>
+          </a:xfrm>
+          <a:prstGeom prst="rect">
+            <a:avLst/>
+          </a:prstGeom>
+        </p:spPr>
+        <p:txBody>
+          <a:bodyPr vert="horz" lIns="91440" tIns="45720" rIns="91440" bIns="45720" rtlCol="0" anchor="b"/>
+          <a:lstStyle>
+            <a:lvl1pPr algn="l">
+              <a:defRPr sz="1200"/>
+            </a:lvl1pPr>
+          </a:lstStyle>
+          <a:p>
+            <a:endParaRPr lang="en-US"/>
+          </a:p>
+        </p:txBody>
+      </p:sp>
+      <p:sp>
+        <p:nvSpPr>
+          <p:cNvPr id="7" name="Slide Number Placeholder 6"/>
+          <p:cNvSpPr>
+            <a:spLocks noGrp="1"/>
+          </p:cNvSpPr>
+          <p:nvPr>
+            <p:ph type="sldNum" sz="quarter" idx="5"/>
+          </p:nvPr>
+        </p:nvSpPr>
+        <p:spPr>
+          <a:xfrm>
+            <a:off x="3884613" y="8685213"/>
+            <a:ext cx="2971800" cy="458787"/>
+          </a:xfrm>
+          <a:prstGeom prst="rect">
+            <a:avLst/>
+          </a:prstGeom>
+        </p:spPr>
+        <p:txBody>
+          <a:bodyPr vert="horz" lIns="91440" tIns="45720" rIns="91440" bIns="45720" rtlCol="0" anchor="b"/>
+          <a:lstStyle>
+            <a:lvl1pPr algn="r">
+              <a:defRPr sz="1200"/>
+            </a:lvl1pPr>
+          </a:lstStyle>
+          <a:p>
+            <a:fld id="{8A9DEF4A-28A6-D54C-B574-BA9E37FBE9B4}" type="slidenum">
+              <a:rPr lang="en-US" smtClean="0"/>
+              <a:t>‹#›</a:t>
+            </a:fld>
+            <a:endParaRPr lang="en-US"/>
+          </a:p>
+        </p:txBody>
+      </p:sp>
+    </p:spTree>
+    <p:extLst>
+      <p:ext uri="{BB962C8B-B14F-4D97-AF65-F5344CB8AC3E}">
+        <p14:creationId xmlns:p14="http://schemas.microsoft.com/office/powerpoint/2010/main" val="42085606"/>
+      </p:ext>
+    </p:extLst>
+  </p:cSld>
+  <p:clrMap bg1="lt1" tx1="dk1" bg2="lt2" tx2="dk2" accent1="accent1" accent2="accent2" accent3="accent3" accent4="accent4" accent5="accent5" accent6="accent6" hlink="hlink" folHlink="folHlink"/>
+  <p:notesStyle>
+    <a:lvl1pPr marL="0" algn="l" defTabSz="914400" rtl="0" eaLnBrk="1" latinLnBrk="0" hangingPunct="1">
+      <a:defRPr sz="1200" kern="1200">
+        <a:solidFill>
+          <a:schemeClr val="tx1"/>
+        </a:solidFill>
+        <a:latin typeface="+mn-lt"/>
+        <a:ea typeface="+mn-ea"/>
+        <a:cs typeface="+mn-cs"/>
+      </a:defRPr>
+    </a:lvl1pPr>
+    <a:lvl2pPr marL="457200" algn="l" defTabSz="914400" rtl="0" eaLnBrk="1" latinLnBrk="0" hangingPunct="1">
+      <a:defRPr sz="1200" kern="1200">
+        <a:solidFill>
+          <a:schemeClr val="tx1"/>
+        </a:solidFill>
+        <a:latin typeface="+mn-lt"/>
+        <a:ea typeface="+mn-ea"/>
+        <a:cs typeface="+mn-cs"/>
+      </a:defRPr>
+    </a:lvl2pPr>
+    <a:lvl3pPr marL="914400" algn="l" defTabSz="914400" rtl="0" eaLnBrk="1" latinLnBrk="0" hangingPunct="1">
+      <a:defRPr sz="1200" kern="1200">
+        <a:solidFill>
+          <a:schemeClr val="tx1"/>
+        </a:solidFill>
+        <a:latin typeface="+mn-lt"/>
+        <a:ea typeface="+mn-ea"/>
+        <a:cs typeface="+mn-cs"/>
+      </a:defRPr>
+    </a:lvl3pPr>
+    <a:lvl4pPr marL="1371600" algn="l" defTabSz="914400" rtl="0" eaLnBrk="1" latinLnBrk="0" hangingPunct="1">
+      <a:defRPr sz="1200" kern="1200">
+        <a:solidFill>
+          <a:schemeClr val="tx1"/>
+        </a:solidFill>
+        <a:latin typeface="+mn-lt"/>
+        <a:ea typeface="+mn-ea"/>
+        <a:cs typeface="+mn-cs"/>
+      </a:defRPr>
+    </a:lvl4pPr>
+    <a:lvl5pPr marL="1828800" algn="l" defTabSz="914400" rtl="0" eaLnBrk="1" latinLnBrk="0" hangingPunct="1">
+      <a:defRPr sz="1200" kern="1200">
+        <a:solidFill>
+          <a:schemeClr val="tx1"/>
+        </a:solidFill>
+        <a:latin typeface="+mn-lt"/>
+        <a:ea typeface="+mn-ea"/>
+        <a:cs typeface="+mn-cs"/>
+      </a:defRPr>
+    </a:lvl5pPr>
+    <a:lvl6pPr marL="2286000" algn="l" defTabSz="914400" rtl="0" eaLnBrk="1" latinLnBrk="0" hangingPunct="1">
+      <a:defRPr sz="1200" kern="1200">
+        <a:solidFill>
+          <a:schemeClr val="tx1"/>
+        </a:solidFill>
+        <a:latin typeface="+mn-lt"/>
+        <a:ea typeface="+mn-ea"/>
+        <a:cs typeface="+mn-cs"/>
+      </a:defRPr>
+    </a:lvl6pPr>
+    <a:lvl7pPr marL="2743200" algn="l" defTabSz="914400" rtl="0" eaLnBrk="1" latinLnBrk="0" hangingPunct="1">
+      <a:defRPr sz="1200" kern="1200">
+        <a:solidFill>
+          <a:schemeClr val="tx1"/>
+        </a:solidFill>
+        <a:latin typeface="+mn-lt"/>
+        <a:ea typeface="+mn-ea"/>
+        <a:cs typeface="+mn-cs"/>
+      </a:defRPr>
+    </a:lvl7pPr>
+    <a:lvl8pPr marL="3200400" algn="l" defTabSz="914400" rtl="0" eaLnBrk="1" latinLnBrk="0" hangingPunct="1">
+      <a:defRPr sz="1200" kern="1200">
+        <a:solidFill>
+          <a:schemeClr val="tx1"/>
+        </a:solidFill>
+        <a:latin typeface="+mn-lt"/>
+        <a:ea typeface="+mn-ea"/>
+        <a:cs typeface="+mn-cs"/>
+      </a:defRPr>
+    </a:lvl8pPr>
+    <a:lvl9pPr marL="3657600" algn="l" defTabSz="914400" rtl="0" eaLnBrk="1" latinLnBrk="0" hangingPunct="1">
+      <a:defRPr sz="1200" kern="1200">
+        <a:solidFill>
+          <a:schemeClr val="tx1"/>
+        </a:solidFill>
+        <a:latin typeface="+mn-lt"/>
+        <a:ea typeface="+mn-ea"/>
+        <a:cs typeface="+mn-cs"/>
+      </a:defRPr>
+    </a:lvl9pPr>
+  </p:notesStyle>
+</p:notesMaster>
 </file>
 
 <file path=ppt/slideLayouts/slideLayout1.xml><?xml version="1.0" encoding="utf-8"?>
@@ -158,7 +521,7 @@
           <a:noFill/>
           <a:extLst>
             <a:ext uri="{909E8E84-426E-40dd-AFC4-6F175D3DCCD1}">
-              <a14:hiddenFill xmlns:a14="http://schemas.microsoft.com/office/drawing/2010/main" xmlns="">
+              <a14:hiddenFill xmlns="" xmlns:a14="http://schemas.microsoft.com/office/drawing/2010/main">
                 <a:solidFill>
                   <a:srgbClr val="FFFFFF"/>
                 </a:solidFill>
@@ -218,7 +581,7 @@
             </a:ln>
             <a:extLst>
               <a:ext uri="{91240B29-F687-4f45-9708-019B960494DF}">
-                <a14:hiddenLine xmlns:a14="http://schemas.microsoft.com/office/drawing/2010/main" xmlns="" w="9525">
+                <a14:hiddenLine xmlns="" xmlns:a14="http://schemas.microsoft.com/office/drawing/2010/main" w="9525">
                   <a:solidFill>
                     <a:srgbClr val="000000"/>
                   </a:solidFill>
@@ -308,7 +671,7 @@
             </a:ln>
             <a:extLst>
               <a:ext uri="{91240B29-F687-4f45-9708-019B960494DF}">
-                <a14:hiddenLine xmlns:a14="http://schemas.microsoft.com/office/drawing/2010/main" xmlns="" w="9525">
+                <a14:hiddenLine xmlns="" xmlns:a14="http://schemas.microsoft.com/office/drawing/2010/main" w="9525">
                   <a:solidFill>
                     <a:srgbClr val="000000"/>
                   </a:solidFill>
@@ -398,7 +761,7 @@
             </a:ln>
             <a:extLst>
               <a:ext uri="{91240B29-F687-4f45-9708-019B960494DF}">
-                <a14:hiddenLine xmlns:a14="http://schemas.microsoft.com/office/drawing/2010/main" xmlns="" w="9525">
+                <a14:hiddenLine xmlns="" xmlns:a14="http://schemas.microsoft.com/office/drawing/2010/main" w="9525">
                   <a:solidFill>
                     <a:srgbClr val="000000"/>
                   </a:solidFill>
@@ -432,7 +795,7 @@
             </a:ln>
             <a:extLst>
               <a:ext uri="{91240B29-F687-4f45-9708-019B960494DF}">
-                <a14:hiddenLine xmlns:a14="http://schemas.microsoft.com/office/drawing/2010/main" xmlns="" w="9525">
+                <a14:hiddenLine xmlns="" xmlns:a14="http://schemas.microsoft.com/office/drawing/2010/main" w="9525">
                   <a:solidFill>
                     <a:srgbClr val="000000"/>
                   </a:solidFill>
@@ -522,7 +885,7 @@
             </a:ln>
             <a:extLst>
               <a:ext uri="{91240B29-F687-4f45-9708-019B960494DF}">
-                <a14:hiddenLine xmlns:a14="http://schemas.microsoft.com/office/drawing/2010/main" xmlns="" w="9525">
+                <a14:hiddenLine xmlns="" xmlns:a14="http://schemas.microsoft.com/office/drawing/2010/main" w="9525">
                   <a:solidFill>
                     <a:srgbClr val="000000"/>
                   </a:solidFill>
@@ -584,7 +947,7 @@
             </a:ln>
             <a:extLst>
               <a:ext uri="{91240B29-F687-4f45-9708-019B960494DF}">
-                <a14:hiddenLine xmlns:a14="http://schemas.microsoft.com/office/drawing/2010/main" xmlns="" w="9525">
+                <a14:hiddenLine xmlns="" xmlns:a14="http://schemas.microsoft.com/office/drawing/2010/main" w="9525">
                   <a:solidFill>
                     <a:srgbClr val="000000"/>
                   </a:solidFill>
@@ -646,7 +1009,7 @@
             </a:ln>
             <a:extLst>
               <a:ext uri="{91240B29-F687-4f45-9708-019B960494DF}">
-                <a14:hiddenLine xmlns:a14="http://schemas.microsoft.com/office/drawing/2010/main" xmlns="" w="9525">
+                <a14:hiddenLine xmlns="" xmlns:a14="http://schemas.microsoft.com/office/drawing/2010/main" w="9525">
                   <a:solidFill>
                     <a:srgbClr val="000000"/>
                   </a:solidFill>
@@ -736,7 +1099,7 @@
             </a:ln>
             <a:extLst>
               <a:ext uri="{91240B29-F687-4f45-9708-019B960494DF}">
-                <a14:hiddenLine xmlns:a14="http://schemas.microsoft.com/office/drawing/2010/main" xmlns="" w="9525">
+                <a14:hiddenLine xmlns="" xmlns:a14="http://schemas.microsoft.com/office/drawing/2010/main" w="9525">
                   <a:solidFill>
                     <a:srgbClr val="000000"/>
                   </a:solidFill>
@@ -798,7 +1161,7 @@
             </a:ln>
             <a:extLst>
               <a:ext uri="{91240B29-F687-4f45-9708-019B960494DF}">
-                <a14:hiddenLine xmlns:a14="http://schemas.microsoft.com/office/drawing/2010/main" xmlns="" w="9525">
+                <a14:hiddenLine xmlns="" xmlns:a14="http://schemas.microsoft.com/office/drawing/2010/main" w="9525">
                   <a:solidFill>
                     <a:srgbClr val="000000"/>
                   </a:solidFill>
@@ -860,7 +1223,7 @@
             </a:ln>
             <a:extLst>
               <a:ext uri="{91240B29-F687-4f45-9708-019B960494DF}">
-                <a14:hiddenLine xmlns:a14="http://schemas.microsoft.com/office/drawing/2010/main" xmlns="" w="9525">
+                <a14:hiddenLine xmlns="" xmlns:a14="http://schemas.microsoft.com/office/drawing/2010/main" w="9525">
                   <a:solidFill>
                     <a:srgbClr val="000000"/>
                   </a:solidFill>
@@ -950,7 +1313,7 @@
             </a:ln>
             <a:extLst>
               <a:ext uri="{91240B29-F687-4f45-9708-019B960494DF}">
-                <a14:hiddenLine xmlns:a14="http://schemas.microsoft.com/office/drawing/2010/main" xmlns="" w="9525">
+                <a14:hiddenLine xmlns="" xmlns:a14="http://schemas.microsoft.com/office/drawing/2010/main" w="9525">
                   <a:solidFill>
                     <a:srgbClr val="000000"/>
                   </a:solidFill>
@@ -1040,7 +1403,7 @@
             </a:ln>
             <a:extLst>
               <a:ext uri="{91240B29-F687-4f45-9708-019B960494DF}">
-                <a14:hiddenLine xmlns:a14="http://schemas.microsoft.com/office/drawing/2010/main" xmlns="" w="9525">
+                <a14:hiddenLine xmlns="" xmlns:a14="http://schemas.microsoft.com/office/drawing/2010/main" w="9525">
                   <a:solidFill>
                     <a:srgbClr val="000000"/>
                   </a:solidFill>
@@ -1102,7 +1465,7 @@
             </a:ln>
             <a:extLst>
               <a:ext uri="{91240B29-F687-4f45-9708-019B960494DF}">
-                <a14:hiddenLine xmlns:a14="http://schemas.microsoft.com/office/drawing/2010/main" xmlns="" w="9525">
+                <a14:hiddenLine xmlns="" xmlns:a14="http://schemas.microsoft.com/office/drawing/2010/main" w="9525">
                   <a:solidFill>
                     <a:srgbClr val="000000"/>
                   </a:solidFill>
@@ -1212,7 +1575,7 @@
             </a:ln>
             <a:extLst>
               <a:ext uri="{91240B29-F687-4f45-9708-019B960494DF}">
-                <a14:hiddenLine xmlns:a14="http://schemas.microsoft.com/office/drawing/2010/main" xmlns="" w="9525">
+                <a14:hiddenLine xmlns="" xmlns:a14="http://schemas.microsoft.com/office/drawing/2010/main" w="9525">
                   <a:solidFill>
                     <a:srgbClr val="000000"/>
                   </a:solidFill>
@@ -1274,7 +1637,7 @@
             </a:ln>
             <a:extLst>
               <a:ext uri="{91240B29-F687-4f45-9708-019B960494DF}">
-                <a14:hiddenLine xmlns:a14="http://schemas.microsoft.com/office/drawing/2010/main" xmlns="" w="9525">
+                <a14:hiddenLine xmlns="" xmlns:a14="http://schemas.microsoft.com/office/drawing/2010/main" w="9525">
                   <a:solidFill>
                     <a:srgbClr val="000000"/>
                   </a:solidFill>
@@ -1364,7 +1727,7 @@
             </a:ln>
             <a:extLst>
               <a:ext uri="{91240B29-F687-4f45-9708-019B960494DF}">
-                <a14:hiddenLine xmlns:a14="http://schemas.microsoft.com/office/drawing/2010/main" xmlns="" w="9525">
+                <a14:hiddenLine xmlns="" xmlns:a14="http://schemas.microsoft.com/office/drawing/2010/main" w="9525">
                   <a:solidFill>
                     <a:srgbClr val="000000"/>
                   </a:solidFill>
@@ -1454,7 +1817,7 @@
             </a:ln>
             <a:extLst>
               <a:ext uri="{91240B29-F687-4f45-9708-019B960494DF}">
-                <a14:hiddenLine xmlns:a14="http://schemas.microsoft.com/office/drawing/2010/main" xmlns="" w="9525">
+                <a14:hiddenLine xmlns="" xmlns:a14="http://schemas.microsoft.com/office/drawing/2010/main" w="9525">
                   <a:solidFill>
                     <a:srgbClr val="000000"/>
                   </a:solidFill>
@@ -1516,7 +1879,7 @@
             </a:ln>
             <a:extLst>
               <a:ext uri="{91240B29-F687-4f45-9708-019B960494DF}">
-                <a14:hiddenLine xmlns:a14="http://schemas.microsoft.com/office/drawing/2010/main" xmlns="" w="9525">
+                <a14:hiddenLine xmlns="" xmlns:a14="http://schemas.microsoft.com/office/drawing/2010/main" w="9525">
                   <a:solidFill>
                     <a:srgbClr val="000000"/>
                   </a:solidFill>
@@ -1606,7 +1969,7 @@
             </a:ln>
             <a:extLst>
               <a:ext uri="{91240B29-F687-4f45-9708-019B960494DF}">
-                <a14:hiddenLine xmlns:a14="http://schemas.microsoft.com/office/drawing/2010/main" xmlns="" w="9525">
+                <a14:hiddenLine xmlns="" xmlns:a14="http://schemas.microsoft.com/office/drawing/2010/main" w="9525">
                   <a:solidFill>
                     <a:srgbClr val="000000"/>
                   </a:solidFill>
@@ -1696,7 +2059,7 @@
             </a:ln>
             <a:extLst>
               <a:ext uri="{91240B29-F687-4f45-9708-019B960494DF}">
-                <a14:hiddenLine xmlns:a14="http://schemas.microsoft.com/office/drawing/2010/main" xmlns="" w="9525">
+                <a14:hiddenLine xmlns="" xmlns:a14="http://schemas.microsoft.com/office/drawing/2010/main" w="9525">
                   <a:solidFill>
                     <a:srgbClr val="000000"/>
                   </a:solidFill>
@@ -1752,7 +2115,7 @@
             </a:ln>
             <a:extLst>
               <a:ext uri="{91240B29-F687-4f45-9708-019B960494DF}">
-                <a14:hiddenLine xmlns:a14="http://schemas.microsoft.com/office/drawing/2010/main" xmlns="" w="9525">
+                <a14:hiddenLine xmlns="" xmlns:a14="http://schemas.microsoft.com/office/drawing/2010/main" w="9525">
                   <a:solidFill>
                     <a:srgbClr val="000000"/>
                   </a:solidFill>
@@ -1842,7 +2205,7 @@
             </a:ln>
             <a:extLst>
               <a:ext uri="{91240B29-F687-4f45-9708-019B960494DF}">
-                <a14:hiddenLine xmlns:a14="http://schemas.microsoft.com/office/drawing/2010/main" xmlns="" w="9525">
+                <a14:hiddenLine xmlns="" xmlns:a14="http://schemas.microsoft.com/office/drawing/2010/main" w="9525">
                   <a:solidFill>
                     <a:srgbClr val="000000"/>
                   </a:solidFill>
@@ -1898,7 +2261,7 @@
             </a:ln>
             <a:extLst>
               <a:ext uri="{91240B29-F687-4f45-9708-019B960494DF}">
-                <a14:hiddenLine xmlns:a14="http://schemas.microsoft.com/office/drawing/2010/main" xmlns="" w="9525">
+                <a14:hiddenLine xmlns="" xmlns:a14="http://schemas.microsoft.com/office/drawing/2010/main" w="9525">
                   <a:solidFill>
                     <a:srgbClr val="000000"/>
                   </a:solidFill>
@@ -1988,7 +2351,7 @@
             </a:ln>
             <a:extLst>
               <a:ext uri="{91240B29-F687-4f45-9708-019B960494DF}">
-                <a14:hiddenLine xmlns:a14="http://schemas.microsoft.com/office/drawing/2010/main" xmlns="" w="9525">
+                <a14:hiddenLine xmlns="" xmlns:a14="http://schemas.microsoft.com/office/drawing/2010/main" w="9525">
                   <a:solidFill>
                     <a:srgbClr val="000000"/>
                   </a:solidFill>
@@ -2056,7 +2419,7 @@
             </a:ln>
             <a:extLst>
               <a:ext uri="{91240B29-F687-4f45-9708-019B960494DF}">
-                <a14:hiddenLine xmlns:a14="http://schemas.microsoft.com/office/drawing/2010/main" xmlns="" w="9525">
+                <a14:hiddenLine xmlns="" xmlns:a14="http://schemas.microsoft.com/office/drawing/2010/main" w="9525">
                   <a:solidFill>
                     <a:srgbClr val="000000"/>
                   </a:solidFill>
@@ -2146,7 +2509,7 @@
             </a:ln>
             <a:extLst>
               <a:ext uri="{91240B29-F687-4f45-9708-019B960494DF}">
-                <a14:hiddenLine xmlns:a14="http://schemas.microsoft.com/office/drawing/2010/main" xmlns="" w="9525">
+                <a14:hiddenLine xmlns="" xmlns:a14="http://schemas.microsoft.com/office/drawing/2010/main" w="9525">
                   <a:solidFill>
                     <a:srgbClr val="000000"/>
                   </a:solidFill>
@@ -2214,7 +2577,7 @@
             </a:ln>
             <a:extLst>
               <a:ext uri="{91240B29-F687-4f45-9708-019B960494DF}">
-                <a14:hiddenLine xmlns:a14="http://schemas.microsoft.com/office/drawing/2010/main" xmlns="" w="9525">
+                <a14:hiddenLine xmlns="" xmlns:a14="http://schemas.microsoft.com/office/drawing/2010/main" w="9525">
                   <a:solidFill>
                     <a:srgbClr val="000000"/>
                   </a:solidFill>
@@ -2304,7 +2667,7 @@
             </a:ln>
             <a:extLst>
               <a:ext uri="{91240B29-F687-4f45-9708-019B960494DF}">
-                <a14:hiddenLine xmlns:a14="http://schemas.microsoft.com/office/drawing/2010/main" xmlns="" w="9525">
+                <a14:hiddenLine xmlns="" xmlns:a14="http://schemas.microsoft.com/office/drawing/2010/main" w="9525">
                   <a:solidFill>
                     <a:srgbClr val="000000"/>
                   </a:solidFill>
@@ -2338,7 +2701,7 @@
             </a:ln>
             <a:extLst>
               <a:ext uri="{91240B29-F687-4f45-9708-019B960494DF}">
-                <a14:hiddenLine xmlns:a14="http://schemas.microsoft.com/office/drawing/2010/main" xmlns="" w="9525">
+                <a14:hiddenLine xmlns="" xmlns:a14="http://schemas.microsoft.com/office/drawing/2010/main" w="9525">
                   <a:solidFill>
                     <a:srgbClr val="000000"/>
                   </a:solidFill>
@@ -2428,7 +2791,7 @@
             </a:ln>
             <a:extLst>
               <a:ext uri="{91240B29-F687-4f45-9708-019B960494DF}">
-                <a14:hiddenLine xmlns:a14="http://schemas.microsoft.com/office/drawing/2010/main" xmlns="" w="9525">
+                <a14:hiddenLine xmlns="" xmlns:a14="http://schemas.microsoft.com/office/drawing/2010/main" w="9525">
                   <a:solidFill>
                     <a:srgbClr val="000000"/>
                   </a:solidFill>
@@ -2490,7 +2853,7 @@
             </a:ln>
             <a:extLst>
               <a:ext uri="{91240B29-F687-4f45-9708-019B960494DF}">
-                <a14:hiddenLine xmlns:a14="http://schemas.microsoft.com/office/drawing/2010/main" xmlns="" w="9525">
+                <a14:hiddenLine xmlns="" xmlns:a14="http://schemas.microsoft.com/office/drawing/2010/main" w="9525">
                   <a:solidFill>
                     <a:srgbClr val="000000"/>
                   </a:solidFill>
@@ -2552,7 +2915,7 @@
             </a:ln>
             <a:extLst>
               <a:ext uri="{91240B29-F687-4f45-9708-019B960494DF}">
-                <a14:hiddenLine xmlns:a14="http://schemas.microsoft.com/office/drawing/2010/main" xmlns="" w="9525">
+                <a14:hiddenLine xmlns="" xmlns:a14="http://schemas.microsoft.com/office/drawing/2010/main" w="9525">
                   <a:solidFill>
                     <a:srgbClr val="000000"/>
                   </a:solidFill>
@@ -2642,7 +3005,7 @@
             </a:ln>
             <a:extLst>
               <a:ext uri="{91240B29-F687-4f45-9708-019B960494DF}">
-                <a14:hiddenLine xmlns:a14="http://schemas.microsoft.com/office/drawing/2010/main" xmlns="" w="9525">
+                <a14:hiddenLine xmlns="" xmlns:a14="http://schemas.microsoft.com/office/drawing/2010/main" w="9525">
                   <a:solidFill>
                     <a:srgbClr val="000000"/>
                   </a:solidFill>
@@ -2710,7 +3073,7 @@
             </a:ln>
             <a:extLst>
               <a:ext uri="{91240B29-F687-4f45-9708-019B960494DF}">
-                <a14:hiddenLine xmlns:a14="http://schemas.microsoft.com/office/drawing/2010/main" xmlns="" w="9525">
+                <a14:hiddenLine xmlns="" xmlns:a14="http://schemas.microsoft.com/office/drawing/2010/main" w="9525">
                   <a:solidFill>
                     <a:srgbClr val="000000"/>
                   </a:solidFill>
@@ -2772,7 +3135,7 @@
             </a:ln>
             <a:extLst>
               <a:ext uri="{91240B29-F687-4f45-9708-019B960494DF}">
-                <a14:hiddenLine xmlns:a14="http://schemas.microsoft.com/office/drawing/2010/main" xmlns="" w="9525">
+                <a14:hiddenLine xmlns="" xmlns:a14="http://schemas.microsoft.com/office/drawing/2010/main" w="9525">
                   <a:solidFill>
                     <a:srgbClr val="000000"/>
                   </a:solidFill>
@@ -2862,7 +3225,7 @@
             </a:ln>
             <a:extLst>
               <a:ext uri="{91240B29-F687-4f45-9708-019B960494DF}">
-                <a14:hiddenLine xmlns:a14="http://schemas.microsoft.com/office/drawing/2010/main" xmlns="" w="9525">
+                <a14:hiddenLine xmlns="" xmlns:a14="http://schemas.microsoft.com/office/drawing/2010/main" w="9525">
                   <a:solidFill>
                     <a:srgbClr val="000000"/>
                   </a:solidFill>
@@ -2924,7 +3287,7 @@
             </a:ln>
             <a:extLst>
               <a:ext uri="{91240B29-F687-4f45-9708-019B960494DF}">
-                <a14:hiddenLine xmlns:a14="http://schemas.microsoft.com/office/drawing/2010/main" xmlns="" w="9525">
+                <a14:hiddenLine xmlns="" xmlns:a14="http://schemas.microsoft.com/office/drawing/2010/main" w="9525">
                   <a:solidFill>
                     <a:srgbClr val="000000"/>
                   </a:solidFill>
@@ -3014,7 +3377,7 @@
             </a:ln>
             <a:extLst>
               <a:ext uri="{91240B29-F687-4f45-9708-019B960494DF}">
-                <a14:hiddenLine xmlns:a14="http://schemas.microsoft.com/office/drawing/2010/main" xmlns="" w="9525">
+                <a14:hiddenLine xmlns="" xmlns:a14="http://schemas.microsoft.com/office/drawing/2010/main" w="9525">
                   <a:solidFill>
                     <a:srgbClr val="000000"/>
                   </a:solidFill>
@@ -3076,7 +3439,7 @@
             </a:ln>
             <a:extLst>
               <a:ext uri="{91240B29-F687-4f45-9708-019B960494DF}">
-                <a14:hiddenLine xmlns:a14="http://schemas.microsoft.com/office/drawing/2010/main" xmlns="" w="9525">
+                <a14:hiddenLine xmlns="" xmlns:a14="http://schemas.microsoft.com/office/drawing/2010/main" w="9525">
                   <a:solidFill>
                     <a:srgbClr val="000000"/>
                   </a:solidFill>
@@ -3166,7 +3529,7 @@
             </a:ln>
             <a:extLst>
               <a:ext uri="{91240B29-F687-4f45-9708-019B960494DF}">
-                <a14:hiddenLine xmlns:a14="http://schemas.microsoft.com/office/drawing/2010/main" xmlns="" w="9525">
+                <a14:hiddenLine xmlns="" xmlns:a14="http://schemas.microsoft.com/office/drawing/2010/main" w="9525">
                   <a:solidFill>
                     <a:srgbClr val="000000"/>
                   </a:solidFill>
@@ -3200,7 +3563,7 @@
             </a:ln>
             <a:extLst>
               <a:ext uri="{91240B29-F687-4f45-9708-019B960494DF}">
-                <a14:hiddenLine xmlns:a14="http://schemas.microsoft.com/office/drawing/2010/main" xmlns="" w="9525">
+                <a14:hiddenLine xmlns="" xmlns:a14="http://schemas.microsoft.com/office/drawing/2010/main" w="9525">
                   <a:solidFill>
                     <a:srgbClr val="000000"/>
                   </a:solidFill>
@@ -3265,7 +3628,7 @@
             </a:ln>
             <a:extLst>
               <a:ext uri="{91240B29-F687-4f45-9708-019B960494DF}">
-                <a14:hiddenLine xmlns:a14="http://schemas.microsoft.com/office/drawing/2010/main" xmlns="" w="9525">
+                <a14:hiddenLine xmlns="" xmlns:a14="http://schemas.microsoft.com/office/drawing/2010/main" w="9525">
                   <a:solidFill>
                     <a:srgbClr val="000000"/>
                   </a:solidFill>
@@ -3355,7 +3718,7 @@
             </a:ln>
             <a:extLst>
               <a:ext uri="{91240B29-F687-4f45-9708-019B960494DF}">
-                <a14:hiddenLine xmlns:a14="http://schemas.microsoft.com/office/drawing/2010/main" xmlns="" w="9525">
+                <a14:hiddenLine xmlns="" xmlns:a14="http://schemas.microsoft.com/office/drawing/2010/main" w="9525">
                   <a:solidFill>
                     <a:srgbClr val="000000"/>
                   </a:solidFill>
@@ -3417,7 +3780,7 @@
             </a:ln>
             <a:extLst>
               <a:ext uri="{91240B29-F687-4f45-9708-019B960494DF}">
-                <a14:hiddenLine xmlns:a14="http://schemas.microsoft.com/office/drawing/2010/main" xmlns="" w="9525">
+                <a14:hiddenLine xmlns="" xmlns:a14="http://schemas.microsoft.com/office/drawing/2010/main" w="9525">
                   <a:solidFill>
                     <a:srgbClr val="000000"/>
                   </a:solidFill>
@@ -3507,7 +3870,7 @@
             </a:ln>
             <a:extLst>
               <a:ext uri="{91240B29-F687-4f45-9708-019B960494DF}">
-                <a14:hiddenLine xmlns:a14="http://schemas.microsoft.com/office/drawing/2010/main" xmlns="" w="9525">
+                <a14:hiddenLine xmlns="" xmlns:a14="http://schemas.microsoft.com/office/drawing/2010/main" w="9525">
                   <a:solidFill>
                     <a:srgbClr val="000000"/>
                   </a:solidFill>
@@ -3597,7 +3960,7 @@
             </a:ln>
             <a:extLst>
               <a:ext uri="{91240B29-F687-4f45-9708-019B960494DF}">
-                <a14:hiddenLine xmlns:a14="http://schemas.microsoft.com/office/drawing/2010/main" xmlns="" w="9525">
+                <a14:hiddenLine xmlns="" xmlns:a14="http://schemas.microsoft.com/office/drawing/2010/main" w="9525">
                   <a:solidFill>
                     <a:srgbClr val="000000"/>
                   </a:solidFill>
@@ -3662,7 +4025,7 @@
             </a:ln>
             <a:extLst>
               <a:ext uri="{91240B29-F687-4f45-9708-019B960494DF}">
-                <a14:hiddenLine xmlns:a14="http://schemas.microsoft.com/office/drawing/2010/main" xmlns="" w="9525">
+                <a14:hiddenLine xmlns="" xmlns:a14="http://schemas.microsoft.com/office/drawing/2010/main" w="9525">
                   <a:solidFill>
                     <a:srgbClr val="000000"/>
                   </a:solidFill>
@@ -3724,7 +4087,7 @@
             </a:ln>
             <a:extLst>
               <a:ext uri="{91240B29-F687-4f45-9708-019B960494DF}">
-                <a14:hiddenLine xmlns:a14="http://schemas.microsoft.com/office/drawing/2010/main" xmlns="" w="9525">
+                <a14:hiddenLine xmlns="" xmlns:a14="http://schemas.microsoft.com/office/drawing/2010/main" w="9525">
                   <a:solidFill>
                     <a:srgbClr val="000000"/>
                   </a:solidFill>
@@ -3814,7 +4177,7 @@
             </a:ln>
             <a:extLst>
               <a:ext uri="{91240B29-F687-4f45-9708-019B960494DF}">
-                <a14:hiddenLine xmlns:a14="http://schemas.microsoft.com/office/drawing/2010/main" xmlns="" w="9525">
+                <a14:hiddenLine xmlns="" xmlns:a14="http://schemas.microsoft.com/office/drawing/2010/main" w="9525">
                   <a:solidFill>
                     <a:srgbClr val="000000"/>
                   </a:solidFill>
@@ -3904,7 +4267,7 @@
             </a:ln>
             <a:extLst>
               <a:ext uri="{91240B29-F687-4f45-9708-019B960494DF}">
-                <a14:hiddenLine xmlns:a14="http://schemas.microsoft.com/office/drawing/2010/main" xmlns="" w="9525">
+                <a14:hiddenLine xmlns="" xmlns:a14="http://schemas.microsoft.com/office/drawing/2010/main" w="9525">
                   <a:solidFill>
                     <a:srgbClr val="000000"/>
                   </a:solidFill>
@@ -3966,7 +4329,7 @@
             </a:ln>
             <a:extLst>
               <a:ext uri="{91240B29-F687-4f45-9708-019B960494DF}">
-                <a14:hiddenLine xmlns:a14="http://schemas.microsoft.com/office/drawing/2010/main" xmlns="" w="9525">
+                <a14:hiddenLine xmlns="" xmlns:a14="http://schemas.microsoft.com/office/drawing/2010/main" w="9525">
                   <a:solidFill>
                     <a:srgbClr val="000000"/>
                   </a:solidFill>
@@ -4086,7 +4449,7 @@
             </a:ln>
             <a:extLst>
               <a:ext uri="{91240B29-F687-4f45-9708-019B960494DF}">
-                <a14:hiddenLine xmlns:a14="http://schemas.microsoft.com/office/drawing/2010/main" xmlns="" w="9525">
+                <a14:hiddenLine xmlns="" xmlns:a14="http://schemas.microsoft.com/office/drawing/2010/main" w="9525">
                   <a:solidFill>
                     <a:srgbClr val="000000"/>
                   </a:solidFill>
@@ -4154,7 +4517,7 @@
             </a:ln>
             <a:extLst>
               <a:ext uri="{91240B29-F687-4f45-9708-019B960494DF}">
-                <a14:hiddenLine xmlns:a14="http://schemas.microsoft.com/office/drawing/2010/main" xmlns="" w="9525">
+                <a14:hiddenLine xmlns="" xmlns:a14="http://schemas.microsoft.com/office/drawing/2010/main" w="9525">
                   <a:solidFill>
                     <a:srgbClr val="000000"/>
                   </a:solidFill>
@@ -4244,7 +4607,7 @@
             </a:ln>
             <a:extLst>
               <a:ext uri="{91240B29-F687-4f45-9708-019B960494DF}">
-                <a14:hiddenLine xmlns:a14="http://schemas.microsoft.com/office/drawing/2010/main" xmlns="" w="9525">
+                <a14:hiddenLine xmlns="" xmlns:a14="http://schemas.microsoft.com/office/drawing/2010/main" w="9525">
                   <a:solidFill>
                     <a:srgbClr val="000000"/>
                   </a:solidFill>
@@ -4382,8 +4745,8 @@
           <a:bodyPr/>
           <a:lstStyle/>
           <a:p>
-            <a:fld id="{48A87A34-81AB-432B-8DAE-1953F412C126}" type="datetimeFigureOut">
-              <a:rPr lang="en-US" dirty="0"/>
+            <a:fld id="{6F246AC9-4EE1-7B42-BE07-5F6D91C9D59F}" type="datetime1">
+              <a:rPr lang="en-US" smtClean="0"/>
               <a:t>12/14/19</a:t>
             </a:fld>
             <a:endParaRPr lang="en-US" dirty="0"/>
@@ -4410,6 +4773,10 @@
           <a:bodyPr/>
           <a:lstStyle/>
           <a:p>
+            <a:r>
+              <a:rPr lang="en-US"/>
+              <a:t>Andrés Mejía - FinTech Boot Camp - Rice University - Dec. 2019</a:t>
+            </a:r>
             <a:endParaRPr lang="en-US" dirty="0"/>
           </a:p>
         </p:txBody>
@@ -4644,8 +5011,8 @@
           <a:bodyPr/>
           <a:lstStyle/>
           <a:p>
-            <a:fld id="{48A87A34-81AB-432B-8DAE-1953F412C126}" type="datetimeFigureOut">
-              <a:rPr lang="en-US" dirty="0"/>
+            <a:fld id="{C55C7C98-AA5F-6B43-A5D8-67E267B271AE}" type="datetime1">
+              <a:rPr lang="en-US" smtClean="0"/>
               <a:t>12/14/19</a:t>
             </a:fld>
             <a:endParaRPr lang="en-US" dirty="0"/>
@@ -4667,6 +5034,10 @@
           <a:bodyPr/>
           <a:lstStyle/>
           <a:p>
+            <a:r>
+              <a:rPr lang="en-US"/>
+              <a:t>Andrés Mejía - FinTech Boot Camp - Rice University - Dec. 2019</a:t>
+            </a:r>
             <a:endParaRPr lang="en-US" dirty="0"/>
           </a:p>
         </p:txBody>
@@ -4835,8 +5206,8 @@
           <a:bodyPr/>
           <a:lstStyle/>
           <a:p>
-            <a:fld id="{48A87A34-81AB-432B-8DAE-1953F412C126}" type="datetimeFigureOut">
-              <a:rPr lang="en-US" dirty="0"/>
+            <a:fld id="{3978186A-A815-EF4D-A022-3890AA0C1ABA}" type="datetime1">
+              <a:rPr lang="en-US" smtClean="0"/>
               <a:t>12/14/19</a:t>
             </a:fld>
             <a:endParaRPr lang="en-US" dirty="0"/>
@@ -4858,6 +5229,10 @@
           <a:bodyPr/>
           <a:lstStyle/>
           <a:p>
+            <a:r>
+              <a:rPr lang="en-US"/>
+              <a:t>Andrés Mejía - FinTech Boot Camp - Rice University - Dec. 2019</a:t>
+            </a:r>
             <a:endParaRPr lang="en-US" dirty="0"/>
           </a:p>
         </p:txBody>
@@ -5093,8 +5468,8 @@
           <a:bodyPr/>
           <a:lstStyle/>
           <a:p>
-            <a:fld id="{48A87A34-81AB-432B-8DAE-1953F412C126}" type="datetimeFigureOut">
-              <a:rPr lang="en-US" dirty="0"/>
+            <a:fld id="{9AD93BD0-0187-BA4A-899E-800149656FBB}" type="datetime1">
+              <a:rPr lang="en-US" smtClean="0"/>
               <a:t>12/14/19</a:t>
             </a:fld>
             <a:endParaRPr lang="en-US" dirty="0"/>
@@ -5116,6 +5491,10 @@
           <a:bodyPr/>
           <a:lstStyle/>
           <a:p>
+            <a:r>
+              <a:rPr lang="en-US"/>
+              <a:t>Andrés Mejía - FinTech Boot Camp - Rice University - Dec. 2019</a:t>
+            </a:r>
             <a:endParaRPr lang="en-US" dirty="0"/>
           </a:p>
         </p:txBody>
@@ -5522,8 +5901,8 @@
           <a:bodyPr/>
           <a:lstStyle/>
           <a:p>
-            <a:fld id="{48A87A34-81AB-432B-8DAE-1953F412C126}" type="datetimeFigureOut">
-              <a:rPr lang="en-US" dirty="0"/>
+            <a:fld id="{DF65C1C8-51BA-4047-95D5-5F7C12052035}" type="datetime1">
+              <a:rPr lang="en-US" smtClean="0"/>
               <a:t>12/14/19</a:t>
             </a:fld>
             <a:endParaRPr lang="en-US" dirty="0"/>
@@ -5545,6 +5924,10 @@
           <a:bodyPr/>
           <a:lstStyle/>
           <a:p>
+            <a:r>
+              <a:rPr lang="en-US"/>
+              <a:t>Andrés Mejía - FinTech Boot Camp - Rice University - Dec. 2019</a:t>
+            </a:r>
             <a:endParaRPr lang="en-US" dirty="0"/>
           </a:p>
         </p:txBody>
@@ -6063,8 +6446,8 @@
           <a:bodyPr/>
           <a:lstStyle/>
           <a:p>
-            <a:fld id="{48A87A34-81AB-432B-8DAE-1953F412C126}" type="datetimeFigureOut">
-              <a:rPr lang="en-US" dirty="0"/>
+            <a:fld id="{64F276A7-1C3D-0E4C-BF44-F8CD4B3A6C60}" type="datetime1">
+              <a:rPr lang="en-US" smtClean="0"/>
               <a:t>12/14/19</a:t>
             </a:fld>
             <a:endParaRPr lang="en-US" dirty="0"/>
@@ -6086,6 +6469,10 @@
           <a:bodyPr/>
           <a:lstStyle/>
           <a:p>
+            <a:r>
+              <a:rPr lang="en-US"/>
+              <a:t>Andrés Mejía - FinTech Boot Camp - Rice University - Dec. 2019</a:t>
+            </a:r>
             <a:endParaRPr lang="en-US" dirty="0"/>
           </a:p>
         </p:txBody>
@@ -6778,8 +7165,8 @@
           <a:bodyPr/>
           <a:lstStyle/>
           <a:p>
-            <a:fld id="{48A87A34-81AB-432B-8DAE-1953F412C126}" type="datetimeFigureOut">
-              <a:rPr lang="en-US" dirty="0"/>
+            <a:fld id="{579DC7FC-7D52-DC47-8A4D-2284A5A73DC0}" type="datetime1">
+              <a:rPr lang="en-US" smtClean="0"/>
               <a:t>12/14/19</a:t>
             </a:fld>
             <a:endParaRPr lang="en-US" dirty="0"/>
@@ -6801,6 +7188,10 @@
           <a:bodyPr/>
           <a:lstStyle/>
           <a:p>
+            <a:r>
+              <a:rPr lang="en-US"/>
+              <a:t>Andrés Mejía - FinTech Boot Camp - Rice University - Dec. 2019</a:t>
+            </a:r>
             <a:endParaRPr lang="en-US" dirty="0"/>
           </a:p>
         </p:txBody>
@@ -6943,8 +7334,8 @@
           <a:bodyPr/>
           <a:lstStyle/>
           <a:p>
-            <a:fld id="{48A87A34-81AB-432B-8DAE-1953F412C126}" type="datetimeFigureOut">
-              <a:rPr lang="en-US" dirty="0"/>
+            <a:fld id="{4F9C7A7E-B400-7C4D-83CF-417CA719FDAF}" type="datetime1">
+              <a:rPr lang="en-US" smtClean="0"/>
               <a:t>12/14/19</a:t>
             </a:fld>
             <a:endParaRPr lang="en-US" dirty="0"/>
@@ -6966,6 +7357,10 @@
           <a:bodyPr/>
           <a:lstStyle/>
           <a:p>
+            <a:r>
+              <a:rPr lang="en-US"/>
+              <a:t>Andrés Mejía - FinTech Boot Camp - Rice University - Dec. 2019</a:t>
+            </a:r>
             <a:endParaRPr lang="en-US" dirty="0"/>
           </a:p>
         </p:txBody>
@@ -7118,8 +7513,8 @@
           <a:bodyPr/>
           <a:lstStyle/>
           <a:p>
-            <a:fld id="{48A87A34-81AB-432B-8DAE-1953F412C126}" type="datetimeFigureOut">
-              <a:rPr lang="en-US" dirty="0"/>
+            <a:fld id="{BB2987BA-ACEC-2346-B508-DF69820808EE}" type="datetime1">
+              <a:rPr lang="en-US" smtClean="0"/>
               <a:t>12/14/19</a:t>
             </a:fld>
             <a:endParaRPr lang="en-US" dirty="0"/>
@@ -7141,6 +7536,10 @@
           <a:bodyPr/>
           <a:lstStyle/>
           <a:p>
+            <a:r>
+              <a:rPr lang="en-US"/>
+              <a:t>Andrés Mejía - FinTech Boot Camp - Rice University - Dec. 2019</a:t>
+            </a:r>
             <a:endParaRPr lang="en-US" dirty="0"/>
           </a:p>
         </p:txBody>
@@ -7283,8 +7682,8 @@
           <a:bodyPr/>
           <a:lstStyle/>
           <a:p>
-            <a:fld id="{48A87A34-81AB-432B-8DAE-1953F412C126}" type="datetimeFigureOut">
-              <a:rPr lang="en-US" dirty="0"/>
+            <a:fld id="{DCF8A4D4-0C2B-CA49-BCF4-6022D6C76E5C}" type="datetime1">
+              <a:rPr lang="en-US" smtClean="0"/>
               <a:t>12/14/19</a:t>
             </a:fld>
             <a:endParaRPr lang="en-US" dirty="0"/>
@@ -7306,6 +7705,10 @@
           <a:bodyPr/>
           <a:lstStyle/>
           <a:p>
+            <a:r>
+              <a:rPr lang="en-US"/>
+              <a:t>Andrés Mejía - FinTech Boot Camp - Rice University - Dec. 2019</a:t>
+            </a:r>
             <a:endParaRPr lang="en-US" dirty="0"/>
           </a:p>
         </p:txBody>
@@ -7528,8 +7931,8 @@
           <a:bodyPr/>
           <a:lstStyle/>
           <a:p>
-            <a:fld id="{48A87A34-81AB-432B-8DAE-1953F412C126}" type="datetimeFigureOut">
-              <a:rPr lang="en-US" dirty="0"/>
+            <a:fld id="{484F51F9-9AF9-6F43-B1F0-505C57C1D71C}" type="datetime1">
+              <a:rPr lang="en-US" smtClean="0"/>
               <a:t>12/14/19</a:t>
             </a:fld>
             <a:endParaRPr lang="en-US" dirty="0"/>
@@ -7551,6 +7954,10 @@
           <a:bodyPr/>
           <a:lstStyle/>
           <a:p>
+            <a:r>
+              <a:rPr lang="en-US"/>
+              <a:t>Andrés Mejía - FinTech Boot Camp - Rice University - Dec. 2019</a:t>
+            </a:r>
             <a:endParaRPr lang="en-US" dirty="0"/>
           </a:p>
         </p:txBody>
@@ -7755,8 +8162,8 @@
           <a:bodyPr/>
           <a:lstStyle/>
           <a:p>
-            <a:fld id="{48A87A34-81AB-432B-8DAE-1953F412C126}" type="datetimeFigureOut">
-              <a:rPr lang="en-US" dirty="0"/>
+            <a:fld id="{E5230F13-2CEC-9142-BF0C-1A13B6251386}" type="datetime1">
+              <a:rPr lang="en-US" smtClean="0"/>
               <a:t>12/14/19</a:t>
             </a:fld>
             <a:endParaRPr lang="en-US" dirty="0"/>
@@ -7778,6 +8185,10 @@
           <a:bodyPr/>
           <a:lstStyle/>
           <a:p>
+            <a:r>
+              <a:rPr lang="en-US"/>
+              <a:t>Andrés Mejía - FinTech Boot Camp - Rice University - Dec. 2019</a:t>
+            </a:r>
             <a:endParaRPr lang="en-US" dirty="0"/>
           </a:p>
         </p:txBody>
@@ -8131,8 +8542,8 @@
           <a:bodyPr/>
           <a:lstStyle/>
           <a:p>
-            <a:fld id="{48A87A34-81AB-432B-8DAE-1953F412C126}" type="datetimeFigureOut">
-              <a:rPr lang="en-US" dirty="0"/>
+            <a:fld id="{CB8EB666-4467-CB4F-BD11-B5F89811AB0D}" type="datetime1">
+              <a:rPr lang="en-US" smtClean="0"/>
               <a:t>12/14/19</a:t>
             </a:fld>
             <a:endParaRPr lang="en-US" dirty="0"/>
@@ -8154,6 +8565,10 @@
           <a:bodyPr/>
           <a:lstStyle/>
           <a:p>
+            <a:r>
+              <a:rPr lang="en-US"/>
+              <a:t>Andrés Mejía - FinTech Boot Camp - Rice University - Dec. 2019</a:t>
+            </a:r>
             <a:endParaRPr lang="en-US" dirty="0"/>
           </a:p>
         </p:txBody>
@@ -8244,8 +8659,8 @@
           <a:bodyPr/>
           <a:lstStyle/>
           <a:p>
-            <a:fld id="{48A87A34-81AB-432B-8DAE-1953F412C126}" type="datetimeFigureOut">
-              <a:rPr lang="en-US" dirty="0"/>
+            <a:fld id="{1B1F359E-8557-BD44-A36C-EB54FD5D119C}" type="datetime1">
+              <a:rPr lang="en-US" smtClean="0"/>
               <a:t>12/14/19</a:t>
             </a:fld>
             <a:endParaRPr lang="en-US" dirty="0"/>
@@ -8267,6 +8682,10 @@
           <a:bodyPr/>
           <a:lstStyle/>
           <a:p>
+            <a:r>
+              <a:rPr lang="en-US"/>
+              <a:t>Andrés Mejía - FinTech Boot Camp - Rice University - Dec. 2019</a:t>
+            </a:r>
             <a:endParaRPr lang="en-US" dirty="0"/>
           </a:p>
         </p:txBody>
@@ -8334,8 +8753,8 @@
           <a:bodyPr/>
           <a:lstStyle/>
           <a:p>
-            <a:fld id="{48A87A34-81AB-432B-8DAE-1953F412C126}" type="datetimeFigureOut">
-              <a:rPr lang="en-US" dirty="0"/>
+            <a:fld id="{25BF9A1C-10D8-E74F-8D41-A7B079A7FAED}" type="datetime1">
+              <a:rPr lang="en-US" smtClean="0"/>
               <a:t>12/14/19</a:t>
             </a:fld>
             <a:endParaRPr lang="en-US" dirty="0"/>
@@ -8357,6 +8776,10 @@
           <a:bodyPr/>
           <a:lstStyle/>
           <a:p>
+            <a:r>
+              <a:rPr lang="en-US"/>
+              <a:t>Andrés Mejía - FinTech Boot Camp - Rice University - Dec. 2019</a:t>
+            </a:r>
             <a:endParaRPr lang="en-US" dirty="0"/>
           </a:p>
         </p:txBody>
@@ -8578,8 +9001,8 @@
           <a:bodyPr/>
           <a:lstStyle/>
           <a:p>
-            <a:fld id="{48A87A34-81AB-432B-8DAE-1953F412C126}" type="datetimeFigureOut">
-              <a:rPr lang="en-US" dirty="0"/>
+            <a:fld id="{E5BF2249-696E-E64A-BD15-B2448DE3BA1F}" type="datetime1">
+              <a:rPr lang="en-US" smtClean="0"/>
               <a:t>12/14/19</a:t>
             </a:fld>
             <a:endParaRPr lang="en-US" dirty="0"/>
@@ -8601,6 +9024,10 @@
           <a:bodyPr/>
           <a:lstStyle/>
           <a:p>
+            <a:r>
+              <a:rPr lang="en-US"/>
+              <a:t>Andrés Mejía - FinTech Boot Camp - Rice University - Dec. 2019</a:t>
+            </a:r>
             <a:endParaRPr lang="en-US" dirty="0"/>
           </a:p>
         </p:txBody>
@@ -8853,8 +9280,8 @@
           <a:bodyPr/>
           <a:lstStyle/>
           <a:p>
-            <a:fld id="{48A87A34-81AB-432B-8DAE-1953F412C126}" type="datetimeFigureOut">
-              <a:rPr lang="en-US" dirty="0"/>
+            <a:fld id="{2F190730-6737-9040-9CE2-10AFFCD6CEB0}" type="datetime1">
+              <a:rPr lang="en-US" smtClean="0"/>
               <a:t>12/14/19</a:t>
             </a:fld>
             <a:endParaRPr lang="en-US" dirty="0"/>
@@ -8876,6 +9303,10 @@
           <a:bodyPr/>
           <a:lstStyle/>
           <a:p>
+            <a:r>
+              <a:rPr lang="en-US"/>
+              <a:t>Andrés Mejía - FinTech Boot Camp - Rice University - Dec. 2019</a:t>
+            </a:r>
             <a:endParaRPr lang="en-US" dirty="0"/>
           </a:p>
         </p:txBody>
@@ -8966,7 +9397,7 @@
           <a:noFill/>
           <a:extLst>
             <a:ext uri="{909E8E84-426E-40dd-AFC4-6F175D3DCCD1}">
-              <a14:hiddenFill xmlns:a14="http://schemas.microsoft.com/office/drawing/2010/main" xmlns="">
+              <a14:hiddenFill xmlns="" xmlns:a14="http://schemas.microsoft.com/office/drawing/2010/main">
                 <a:solidFill>
                   <a:srgbClr val="FFFFFF"/>
                 </a:solidFill>
@@ -9040,7 +9471,7 @@
               </a:ln>
               <a:extLst>
                 <a:ext uri="{91240B29-F687-4f45-9708-019B960494DF}">
-                  <a14:hiddenLine xmlns:a14="http://schemas.microsoft.com/office/drawing/2010/main" xmlns="" w="9525">
+                  <a14:hiddenLine xmlns="" xmlns:a14="http://schemas.microsoft.com/office/drawing/2010/main" w="9525">
                     <a:solidFill>
                       <a:srgbClr val="000000"/>
                     </a:solidFill>
@@ -9130,7 +9561,7 @@
               </a:ln>
               <a:extLst>
                 <a:ext uri="{91240B29-F687-4f45-9708-019B960494DF}">
-                  <a14:hiddenLine xmlns:a14="http://schemas.microsoft.com/office/drawing/2010/main" xmlns="" w="9525">
+                  <a14:hiddenLine xmlns="" xmlns:a14="http://schemas.microsoft.com/office/drawing/2010/main" w="9525">
                     <a:solidFill>
                       <a:srgbClr val="000000"/>
                     </a:solidFill>
@@ -9220,7 +9651,7 @@
               </a:ln>
               <a:extLst>
                 <a:ext uri="{91240B29-F687-4f45-9708-019B960494DF}">
-                  <a14:hiddenLine xmlns:a14="http://schemas.microsoft.com/office/drawing/2010/main" xmlns="" w="9525">
+                  <a14:hiddenLine xmlns="" xmlns:a14="http://schemas.microsoft.com/office/drawing/2010/main" w="9525">
                     <a:solidFill>
                       <a:srgbClr val="000000"/>
                     </a:solidFill>
@@ -9282,7 +9713,7 @@
               </a:ln>
               <a:extLst>
                 <a:ext uri="{91240B29-F687-4f45-9708-019B960494DF}">
-                  <a14:hiddenLine xmlns:a14="http://schemas.microsoft.com/office/drawing/2010/main" xmlns="" w="9525">
+                  <a14:hiddenLine xmlns="" xmlns:a14="http://schemas.microsoft.com/office/drawing/2010/main" w="9525">
                     <a:solidFill>
                       <a:srgbClr val="000000"/>
                     </a:solidFill>
@@ -9372,7 +9803,7 @@
               </a:ln>
               <a:extLst>
                 <a:ext uri="{91240B29-F687-4f45-9708-019B960494DF}">
-                  <a14:hiddenLine xmlns:a14="http://schemas.microsoft.com/office/drawing/2010/main" xmlns="" w="9525">
+                  <a14:hiddenLine xmlns="" xmlns:a14="http://schemas.microsoft.com/office/drawing/2010/main" w="9525">
                     <a:solidFill>
                       <a:srgbClr val="000000"/>
                     </a:solidFill>
@@ -9434,7 +9865,7 @@
               </a:ln>
               <a:extLst>
                 <a:ext uri="{91240B29-F687-4f45-9708-019B960494DF}">
-                  <a14:hiddenLine xmlns:a14="http://schemas.microsoft.com/office/drawing/2010/main" xmlns="" w="9525">
+                  <a14:hiddenLine xmlns="" xmlns:a14="http://schemas.microsoft.com/office/drawing/2010/main" w="9525">
                     <a:solidFill>
                       <a:srgbClr val="000000"/>
                     </a:solidFill>
@@ -9496,7 +9927,7 @@
               </a:ln>
               <a:extLst>
                 <a:ext uri="{91240B29-F687-4f45-9708-019B960494DF}">
-                  <a14:hiddenLine xmlns:a14="http://schemas.microsoft.com/office/drawing/2010/main" xmlns="" w="9525">
+                  <a14:hiddenLine xmlns="" xmlns:a14="http://schemas.microsoft.com/office/drawing/2010/main" w="9525">
                     <a:solidFill>
                       <a:srgbClr val="000000"/>
                     </a:solidFill>
@@ -9586,7 +10017,7 @@
               </a:ln>
               <a:extLst>
                 <a:ext uri="{91240B29-F687-4f45-9708-019B960494DF}">
-                  <a14:hiddenLine xmlns:a14="http://schemas.microsoft.com/office/drawing/2010/main" xmlns="" w="9525">
+                  <a14:hiddenLine xmlns="" xmlns:a14="http://schemas.microsoft.com/office/drawing/2010/main" w="9525">
                     <a:solidFill>
                       <a:srgbClr val="000000"/>
                     </a:solidFill>
@@ -9676,7 +10107,7 @@
               </a:ln>
               <a:extLst>
                 <a:ext uri="{91240B29-F687-4f45-9708-019B960494DF}">
-                  <a14:hiddenLine xmlns:a14="http://schemas.microsoft.com/office/drawing/2010/main" xmlns="" w="9525">
+                  <a14:hiddenLine xmlns="" xmlns:a14="http://schemas.microsoft.com/office/drawing/2010/main" w="9525">
                     <a:solidFill>
                       <a:srgbClr val="000000"/>
                     </a:solidFill>
@@ -9738,7 +10169,7 @@
               </a:ln>
               <a:extLst>
                 <a:ext uri="{91240B29-F687-4f45-9708-019B960494DF}">
-                  <a14:hiddenLine xmlns:a14="http://schemas.microsoft.com/office/drawing/2010/main" xmlns="" w="9525">
+                  <a14:hiddenLine xmlns="" xmlns:a14="http://schemas.microsoft.com/office/drawing/2010/main" w="9525">
                     <a:solidFill>
                       <a:srgbClr val="000000"/>
                     </a:solidFill>
@@ -9848,7 +10279,7 @@
               </a:ln>
               <a:extLst>
                 <a:ext uri="{91240B29-F687-4f45-9708-019B960494DF}">
-                  <a14:hiddenLine xmlns:a14="http://schemas.microsoft.com/office/drawing/2010/main" xmlns="" w="9525">
+                  <a14:hiddenLine xmlns="" xmlns:a14="http://schemas.microsoft.com/office/drawing/2010/main" w="9525">
                     <a:solidFill>
                       <a:srgbClr val="000000"/>
                     </a:solidFill>
@@ -9932,7 +10363,7 @@
               </a:ln>
               <a:extLst>
                 <a:ext uri="{91240B29-F687-4f45-9708-019B960494DF}">
-                  <a14:hiddenLine xmlns:a14="http://schemas.microsoft.com/office/drawing/2010/main" xmlns="" w="9525">
+                  <a14:hiddenLine xmlns="" xmlns:a14="http://schemas.microsoft.com/office/drawing/2010/main" w="9525">
                     <a:solidFill>
                       <a:srgbClr val="000000"/>
                     </a:solidFill>
@@ -9994,7 +10425,7 @@
               </a:ln>
               <a:extLst>
                 <a:ext uri="{91240B29-F687-4f45-9708-019B960494DF}">
-                  <a14:hiddenLine xmlns:a14="http://schemas.microsoft.com/office/drawing/2010/main" xmlns="" w="9525">
+                  <a14:hiddenLine xmlns="" xmlns:a14="http://schemas.microsoft.com/office/drawing/2010/main" w="9525">
                     <a:solidFill>
                       <a:srgbClr val="000000"/>
                     </a:solidFill>
@@ -10056,7 +10487,7 @@
               </a:ln>
               <a:extLst>
                 <a:ext uri="{91240B29-F687-4f45-9708-019B960494DF}">
-                  <a14:hiddenLine xmlns:a14="http://schemas.microsoft.com/office/drawing/2010/main" xmlns="" w="9525">
+                  <a14:hiddenLine xmlns="" xmlns:a14="http://schemas.microsoft.com/office/drawing/2010/main" w="9525">
                     <a:solidFill>
                       <a:srgbClr val="000000"/>
                     </a:solidFill>
@@ -10146,7 +10577,7 @@
               </a:ln>
               <a:extLst>
                 <a:ext uri="{91240B29-F687-4f45-9708-019B960494DF}">
-                  <a14:hiddenLine xmlns:a14="http://schemas.microsoft.com/office/drawing/2010/main" xmlns="" w="9525">
+                  <a14:hiddenLine xmlns="" xmlns:a14="http://schemas.microsoft.com/office/drawing/2010/main" w="9525">
                     <a:solidFill>
                       <a:srgbClr val="000000"/>
                     </a:solidFill>
@@ -10180,7 +10611,7 @@
               </a:ln>
               <a:extLst>
                 <a:ext uri="{91240B29-F687-4f45-9708-019B960494DF}">
-                  <a14:hiddenLine xmlns:a14="http://schemas.microsoft.com/office/drawing/2010/main" xmlns="" w="9525">
+                  <a14:hiddenLine xmlns="" xmlns:a14="http://schemas.microsoft.com/office/drawing/2010/main" w="9525">
                     <a:solidFill>
                       <a:srgbClr val="000000"/>
                     </a:solidFill>
@@ -10245,7 +10676,7 @@
               </a:ln>
               <a:extLst>
                 <a:ext uri="{91240B29-F687-4f45-9708-019B960494DF}">
-                  <a14:hiddenLine xmlns:a14="http://schemas.microsoft.com/office/drawing/2010/main" xmlns="" w="9525">
+                  <a14:hiddenLine xmlns="" xmlns:a14="http://schemas.microsoft.com/office/drawing/2010/main" w="9525">
                     <a:solidFill>
                       <a:srgbClr val="000000"/>
                     </a:solidFill>
@@ -10335,7 +10766,7 @@
               </a:ln>
               <a:extLst>
                 <a:ext uri="{91240B29-F687-4f45-9708-019B960494DF}">
-                  <a14:hiddenLine xmlns:a14="http://schemas.microsoft.com/office/drawing/2010/main" xmlns="" w="9525">
+                  <a14:hiddenLine xmlns="" xmlns:a14="http://schemas.microsoft.com/office/drawing/2010/main" w="9525">
                     <a:solidFill>
                       <a:srgbClr val="000000"/>
                     </a:solidFill>
@@ -10397,7 +10828,7 @@
               </a:ln>
               <a:extLst>
                 <a:ext uri="{91240B29-F687-4f45-9708-019B960494DF}">
-                  <a14:hiddenLine xmlns:a14="http://schemas.microsoft.com/office/drawing/2010/main" xmlns="" w="9525">
+                  <a14:hiddenLine xmlns="" xmlns:a14="http://schemas.microsoft.com/office/drawing/2010/main" w="9525">
                     <a:solidFill>
                       <a:srgbClr val="000000"/>
                     </a:solidFill>
@@ -10487,7 +10918,7 @@
               </a:ln>
               <a:extLst>
                 <a:ext uri="{91240B29-F687-4f45-9708-019B960494DF}">
-                  <a14:hiddenLine xmlns:a14="http://schemas.microsoft.com/office/drawing/2010/main" xmlns="" w="9525">
+                  <a14:hiddenLine xmlns="" xmlns:a14="http://schemas.microsoft.com/office/drawing/2010/main" w="9525">
                     <a:solidFill>
                       <a:srgbClr val="000000"/>
                     </a:solidFill>
@@ -10552,7 +10983,7 @@
               </a:ln>
               <a:extLst>
                 <a:ext uri="{91240B29-F687-4f45-9708-019B960494DF}">
-                  <a14:hiddenLine xmlns:a14="http://schemas.microsoft.com/office/drawing/2010/main" xmlns="" w="9525">
+                  <a14:hiddenLine xmlns="" xmlns:a14="http://schemas.microsoft.com/office/drawing/2010/main" w="9525">
                     <a:solidFill>
                       <a:srgbClr val="000000"/>
                     </a:solidFill>
@@ -10614,7 +11045,7 @@
               </a:ln>
               <a:extLst>
                 <a:ext uri="{91240B29-F687-4f45-9708-019B960494DF}">
-                  <a14:hiddenLine xmlns:a14="http://schemas.microsoft.com/office/drawing/2010/main" xmlns="" w="9525">
+                  <a14:hiddenLine xmlns="" xmlns:a14="http://schemas.microsoft.com/office/drawing/2010/main" w="9525">
                     <a:solidFill>
                       <a:srgbClr val="000000"/>
                     </a:solidFill>
@@ -10704,7 +11135,7 @@
               </a:ln>
               <a:extLst>
                 <a:ext uri="{91240B29-F687-4f45-9708-019B960494DF}">
-                  <a14:hiddenLine xmlns:a14="http://schemas.microsoft.com/office/drawing/2010/main" xmlns="" w="9525">
+                  <a14:hiddenLine xmlns="" xmlns:a14="http://schemas.microsoft.com/office/drawing/2010/main" w="9525">
                     <a:solidFill>
                       <a:srgbClr val="000000"/>
                     </a:solidFill>
@@ -10794,7 +11225,7 @@
               </a:ln>
               <a:extLst>
                 <a:ext uri="{91240B29-F687-4f45-9708-019B960494DF}">
-                  <a14:hiddenLine xmlns:a14="http://schemas.microsoft.com/office/drawing/2010/main" xmlns="" w="9525">
+                  <a14:hiddenLine xmlns="" xmlns:a14="http://schemas.microsoft.com/office/drawing/2010/main" w="9525">
                     <a:solidFill>
                       <a:srgbClr val="000000"/>
                     </a:solidFill>
@@ -10859,7 +11290,7 @@
               </a:ln>
               <a:extLst>
                 <a:ext uri="{91240B29-F687-4f45-9708-019B960494DF}">
-                  <a14:hiddenLine xmlns:a14="http://schemas.microsoft.com/office/drawing/2010/main" xmlns="" w="9525">
+                  <a14:hiddenLine xmlns="" xmlns:a14="http://schemas.microsoft.com/office/drawing/2010/main" w="9525">
                     <a:solidFill>
                       <a:srgbClr val="000000"/>
                     </a:solidFill>
@@ -10979,7 +11410,7 @@
               </a:ln>
               <a:extLst>
                 <a:ext uri="{91240B29-F687-4f45-9708-019B960494DF}">
-                  <a14:hiddenLine xmlns:a14="http://schemas.microsoft.com/office/drawing/2010/main" xmlns="" w="9525">
+                  <a14:hiddenLine xmlns="" xmlns:a14="http://schemas.microsoft.com/office/drawing/2010/main" w="9525">
                     <a:solidFill>
                       <a:srgbClr val="000000"/>
                     </a:solidFill>
@@ -11077,7 +11508,7 @@
               </a:ln>
               <a:extLst>
                 <a:ext uri="{91240B29-F687-4f45-9708-019B960494DF}">
-                  <a14:hiddenLine xmlns:a14="http://schemas.microsoft.com/office/drawing/2010/main" xmlns="" w="9525">
+                  <a14:hiddenLine xmlns="" xmlns:a14="http://schemas.microsoft.com/office/drawing/2010/main" w="9525">
                     <a:solidFill>
                       <a:srgbClr val="000000"/>
                     </a:solidFill>
@@ -11192,7 +11623,7 @@
               </a:ln>
               <a:extLst>
                 <a:ext uri="{91240B29-F687-4f45-9708-019B960494DF}">
-                  <a14:hiddenLine xmlns:a14="http://schemas.microsoft.com/office/drawing/2010/main" xmlns="" w="9525">
+                  <a14:hiddenLine xmlns="" xmlns:a14="http://schemas.microsoft.com/office/drawing/2010/main" w="9525">
                     <a:solidFill>
                       <a:srgbClr val="000000"/>
                     </a:solidFill>
@@ -11282,7 +11713,7 @@
               </a:ln>
               <a:extLst>
                 <a:ext uri="{91240B29-F687-4f45-9708-019B960494DF}">
-                  <a14:hiddenLine xmlns:a14="http://schemas.microsoft.com/office/drawing/2010/main" xmlns="" w="9525">
+                  <a14:hiddenLine xmlns="" xmlns:a14="http://schemas.microsoft.com/office/drawing/2010/main" w="9525">
                     <a:solidFill>
                       <a:srgbClr val="000000"/>
                     </a:solidFill>
@@ -11347,7 +11778,7 @@
               </a:ln>
               <a:extLst>
                 <a:ext uri="{91240B29-F687-4f45-9708-019B960494DF}">
-                  <a14:hiddenLine xmlns:a14="http://schemas.microsoft.com/office/drawing/2010/main" xmlns="" w="9525">
+                  <a14:hiddenLine xmlns="" xmlns:a14="http://schemas.microsoft.com/office/drawing/2010/main" w="9525">
                     <a:solidFill>
                       <a:srgbClr val="000000"/>
                     </a:solidFill>
@@ -11437,7 +11868,7 @@
               </a:ln>
               <a:extLst>
                 <a:ext uri="{91240B29-F687-4f45-9708-019B960494DF}">
-                  <a14:hiddenLine xmlns:a14="http://schemas.microsoft.com/office/drawing/2010/main" xmlns="" w="9525">
+                  <a14:hiddenLine xmlns="" xmlns:a14="http://schemas.microsoft.com/office/drawing/2010/main" w="9525">
                     <a:solidFill>
                       <a:srgbClr val="000000"/>
                     </a:solidFill>
@@ -11505,7 +11936,7 @@
               </a:ln>
               <a:extLst>
                 <a:ext uri="{91240B29-F687-4f45-9708-019B960494DF}">
-                  <a14:hiddenLine xmlns:a14="http://schemas.microsoft.com/office/drawing/2010/main" xmlns="" w="9525">
+                  <a14:hiddenLine xmlns="" xmlns:a14="http://schemas.microsoft.com/office/drawing/2010/main" w="9525">
                     <a:solidFill>
                       <a:srgbClr val="000000"/>
                     </a:solidFill>
@@ -11595,7 +12026,7 @@
               </a:ln>
               <a:extLst>
                 <a:ext uri="{91240B29-F687-4f45-9708-019B960494DF}">
-                  <a14:hiddenLine xmlns:a14="http://schemas.microsoft.com/office/drawing/2010/main" xmlns="" w="9525">
+                  <a14:hiddenLine xmlns="" xmlns:a14="http://schemas.microsoft.com/office/drawing/2010/main" w="9525">
                     <a:solidFill>
                       <a:srgbClr val="000000"/>
                     </a:solidFill>
@@ -11663,7 +12094,7 @@
               </a:ln>
               <a:extLst>
                 <a:ext uri="{91240B29-F687-4f45-9708-019B960494DF}">
-                  <a14:hiddenLine xmlns:a14="http://schemas.microsoft.com/office/drawing/2010/main" xmlns="" w="9525">
+                  <a14:hiddenLine xmlns="" xmlns:a14="http://schemas.microsoft.com/office/drawing/2010/main" w="9525">
                     <a:solidFill>
                       <a:srgbClr val="000000"/>
                     </a:solidFill>
@@ -11753,7 +12184,7 @@
               </a:ln>
               <a:extLst>
                 <a:ext uri="{91240B29-F687-4f45-9708-019B960494DF}">
-                  <a14:hiddenLine xmlns:a14="http://schemas.microsoft.com/office/drawing/2010/main" xmlns="" w="9525">
+                  <a14:hiddenLine xmlns="" xmlns:a14="http://schemas.microsoft.com/office/drawing/2010/main" w="9525">
                     <a:solidFill>
                       <a:srgbClr val="000000"/>
                     </a:solidFill>
@@ -11787,7 +12218,7 @@
               </a:ln>
               <a:extLst>
                 <a:ext uri="{91240B29-F687-4f45-9708-019B960494DF}">
-                  <a14:hiddenLine xmlns:a14="http://schemas.microsoft.com/office/drawing/2010/main" xmlns="" w="9525">
+                  <a14:hiddenLine xmlns="" xmlns:a14="http://schemas.microsoft.com/office/drawing/2010/main" w="9525">
                     <a:solidFill>
                       <a:srgbClr val="000000"/>
                     </a:solidFill>
@@ -11925,9 +12356,8 @@
             </a:lvl1pPr>
           </a:lstStyle>
           <a:p>
-            <a:fld id="{48A87A34-81AB-432B-8DAE-1953F412C126}" type="datetimeFigureOut">
-              <a:rPr lang="en-US" dirty="0"/>
-              <a:pPr/>
+            <a:fld id="{FBEBA73D-E829-DE4C-A8FA-7F76FBFB9A4A}" type="datetime1">
+              <a:rPr lang="en-US" smtClean="0"/>
               <a:t>12/14/19</a:t>
             </a:fld>
             <a:endParaRPr lang="en-US" dirty="0"/>
@@ -11967,6 +12397,10 @@
             </a:lvl1pPr>
           </a:lstStyle>
           <a:p>
+            <a:r>
+              <a:rPr lang="en-US"/>
+              <a:t>Andrés Mejía - FinTech Boot Camp - Rice University - Dec. 2019</a:t>
+            </a:r>
             <a:endParaRPr lang="en-US" dirty="0"/>
           </a:p>
         </p:txBody>
@@ -12035,6 +12469,7 @@
     <p:sldLayoutId id="2147483658" r:id="rId16"/>
     <p:sldLayoutId id="2147483659" r:id="rId17"/>
   </p:sldLayoutIdLst>
+  <p:hf sldNum="0" hdr="0" dt="0"/>
   <p:txStyles>
     <p:titleStyle>
       <a:lvl1pPr algn="l" defTabSz="914400" rtl="0" eaLnBrk="1" latinLnBrk="0" hangingPunct="1">
@@ -12487,7 +12922,7 @@
           <a:p>
             <a:pPr lvl="2"/>
             <a:r>
-              <a:rPr lang="en-US" dirty="0"/>
+              <a:rPr lang="en-US" b="1" dirty="0"/>
               <a:t>Matt Oppenheimer, current CEO</a:t>
             </a:r>
           </a:p>
@@ -12513,6 +12948,142 @@
               <a:t>Guati</a:t>
             </a:r>
             <a:endParaRPr lang="en-US" dirty="0"/>
+          </a:p>
+        </p:txBody>
+      </p:sp>
+      <p:sp>
+        <p:nvSpPr>
+          <p:cNvPr id="4" name="Footer Placeholder 3">
+            <a:extLst>
+              <a:ext uri="{FF2B5EF4-FFF2-40B4-BE49-F238E27FC236}">
+                <a16:creationId xmlns:a16="http://schemas.microsoft.com/office/drawing/2014/main" id="{6D7DC001-E4B4-304C-8A23-5F32B6DC4270}"/>
+              </a:ext>
+            </a:extLst>
+          </p:cNvPr>
+          <p:cNvSpPr>
+            <a:spLocks noGrp="1"/>
+          </p:cNvSpPr>
+          <p:nvPr>
+            <p:ph type="ftr" sz="quarter" idx="11"/>
+          </p:nvPr>
+        </p:nvSpPr>
+        <p:spPr/>
+        <p:txBody>
+          <a:bodyPr/>
+          <a:lstStyle/>
+          <a:p>
+            <a:r>
+              <a:rPr lang="en-US"/>
+              <a:t>Andrés Mejía - FinTech Boot Camp - Rice University - Dec. 2019</a:t>
+            </a:r>
+            <a:endParaRPr lang="en-US" dirty="0"/>
+          </a:p>
+        </p:txBody>
+      </p:sp>
+      <p:sp>
+        <p:nvSpPr>
+          <p:cNvPr id="6" name="Rectangle 5">
+            <a:extLst>
+              <a:ext uri="{FF2B5EF4-FFF2-40B4-BE49-F238E27FC236}">
+                <a16:creationId xmlns:a16="http://schemas.microsoft.com/office/drawing/2014/main" id="{E7FFFCC8-E1D5-234B-AB5A-914EF8888465}"/>
+              </a:ext>
+            </a:extLst>
+          </p:cNvPr>
+          <p:cNvSpPr/>
+          <p:nvPr/>
+        </p:nvSpPr>
+        <p:spPr>
+          <a:xfrm>
+            <a:off x="5740864" y="4920734"/>
+            <a:ext cx="4611712" cy="369332"/>
+          </a:xfrm>
+          <a:prstGeom prst="rect">
+            <a:avLst/>
+          </a:prstGeom>
+        </p:spPr>
+        <p:txBody>
+          <a:bodyPr wrap="none">
+            <a:spAutoFit/>
+          </a:bodyPr>
+          <a:lstStyle/>
+          <a:p>
+            <a:r>
+              <a:rPr lang="en-US" dirty="0">
+                <a:hlinkClick r:id="rId2"/>
+              </a:rPr>
+              <a:t>https://www.remitly.com/us/en/home/the_team</a:t>
+            </a:r>
+            <a:endParaRPr lang="en-US" dirty="0"/>
+          </a:p>
+        </p:txBody>
+      </p:sp>
+      <p:pic>
+        <p:nvPicPr>
+          <p:cNvPr id="7" name="Picture 6">
+            <a:extLst>
+              <a:ext uri="{FF2B5EF4-FFF2-40B4-BE49-F238E27FC236}">
+                <a16:creationId xmlns:a16="http://schemas.microsoft.com/office/drawing/2014/main" id="{47A634F5-1D3C-5242-87B2-F828C9824021}"/>
+              </a:ext>
+            </a:extLst>
+          </p:cNvPr>
+          <p:cNvPicPr>
+            <a:picLocks noChangeAspect="1"/>
+          </p:cNvPicPr>
+          <p:nvPr/>
+        </p:nvPicPr>
+        <p:blipFill>
+          <a:blip r:embed="rId3"/>
+          <a:stretch>
+            <a:fillRect/>
+          </a:stretch>
+        </p:blipFill>
+        <p:spPr>
+          <a:xfrm>
+            <a:off x="6527336" y="2592585"/>
+            <a:ext cx="2740521" cy="1827014"/>
+          </a:xfrm>
+          <a:prstGeom prst="rect">
+            <a:avLst/>
+          </a:prstGeom>
+        </p:spPr>
+      </p:pic>
+      <p:sp>
+        <p:nvSpPr>
+          <p:cNvPr id="8" name="TextBox 7">
+            <a:extLst>
+              <a:ext uri="{FF2B5EF4-FFF2-40B4-BE49-F238E27FC236}">
+                <a16:creationId xmlns:a16="http://schemas.microsoft.com/office/drawing/2014/main" id="{0AFEB081-D95E-B04F-89C6-70B62713D4B2}"/>
+              </a:ext>
+            </a:extLst>
+          </p:cNvPr>
+          <p:cNvSpPr txBox="1"/>
+          <p:nvPr/>
+        </p:nvSpPr>
+        <p:spPr>
+          <a:xfrm>
+            <a:off x="7352076" y="4382869"/>
+            <a:ext cx="2004267" cy="307777"/>
+          </a:xfrm>
+          <a:prstGeom prst="rect">
+            <a:avLst/>
+          </a:prstGeom>
+          <a:noFill/>
+        </p:spPr>
+        <p:txBody>
+          <a:bodyPr wrap="none" rtlCol="0">
+            <a:spAutoFit/>
+          </a:bodyPr>
+          <a:lstStyle/>
+          <a:p>
+            <a:r>
+              <a:rPr lang="en-US" sz="1400" i="1" dirty="0"/>
+              <a:t>* From </a:t>
+            </a:r>
+            <a:r>
+              <a:rPr lang="en-US" sz="1400" i="1" dirty="0" err="1"/>
+              <a:t>www.geekwire.com</a:t>
+            </a:r>
+            <a:endParaRPr lang="en-US" sz="1400" i="1" dirty="0"/>
           </a:p>
         </p:txBody>
       </p:sp>
@@ -12520,6 +13091,1017 @@
     <p:extLst>
       <p:ext uri="{BB962C8B-B14F-4D97-AF65-F5344CB8AC3E}">
         <p14:creationId xmlns:p14="http://schemas.microsoft.com/office/powerpoint/2010/main" val="1911914095"/>
+      </p:ext>
+    </p:extLst>
+  </p:cSld>
+  <p:clrMapOvr>
+    <a:masterClrMapping/>
+  </p:clrMapOvr>
+</p:sld>
+</file>
+
+<file path=ppt/slides/slide3.xml><?xml version="1.0" encoding="utf-8"?>
+<p:sld xmlns:a="http://schemas.openxmlformats.org/drawingml/2006/main" xmlns:r="http://schemas.openxmlformats.org/officeDocument/2006/relationships" xmlns:p="http://schemas.openxmlformats.org/presentationml/2006/main">
+  <p:cSld>
+    <p:spTree>
+      <p:nvGrpSpPr>
+        <p:cNvPr id="1" name=""/>
+        <p:cNvGrpSpPr/>
+        <p:nvPr/>
+      </p:nvGrpSpPr>
+      <p:grpSpPr>
+        <a:xfrm>
+          <a:off x="0" y="0"/>
+          <a:ext cx="0" cy="0"/>
+          <a:chOff x="0" y="0"/>
+          <a:chExt cx="0" cy="0"/>
+        </a:xfrm>
+      </p:grpSpPr>
+      <p:sp>
+        <p:nvSpPr>
+          <p:cNvPr id="2" name="Title 1">
+            <a:extLst>
+              <a:ext uri="{FF2B5EF4-FFF2-40B4-BE49-F238E27FC236}">
+                <a16:creationId xmlns:a16="http://schemas.microsoft.com/office/drawing/2014/main" id="{6374E559-274D-6F4C-BA4D-37573D79BD15}"/>
+              </a:ext>
+            </a:extLst>
+          </p:cNvPr>
+          <p:cNvSpPr>
+            <a:spLocks noGrp="1"/>
+          </p:cNvSpPr>
+          <p:nvPr>
+            <p:ph type="title"/>
+          </p:nvPr>
+        </p:nvSpPr>
+        <p:spPr/>
+        <p:txBody>
+          <a:bodyPr/>
+          <a:lstStyle/>
+          <a:p>
+            <a:r>
+              <a:rPr lang="en-US" dirty="0"/>
+              <a:t>REMITLY – main motivation</a:t>
+            </a:r>
+          </a:p>
+        </p:txBody>
+      </p:sp>
+      <p:sp>
+        <p:nvSpPr>
+          <p:cNvPr id="3" name="Content Placeholder 2">
+            <a:extLst>
+              <a:ext uri="{FF2B5EF4-FFF2-40B4-BE49-F238E27FC236}">
+                <a16:creationId xmlns:a16="http://schemas.microsoft.com/office/drawing/2014/main" id="{848BF24D-0539-C249-9D0B-C3729A9F9EBB}"/>
+              </a:ext>
+            </a:extLst>
+          </p:cNvPr>
+          <p:cNvSpPr>
+            <a:spLocks noGrp="1"/>
+          </p:cNvSpPr>
+          <p:nvPr>
+            <p:ph idx="1"/>
+          </p:nvPr>
+        </p:nvSpPr>
+        <p:spPr/>
+        <p:txBody>
+          <a:bodyPr>
+            <a:normAutofit fontScale="92500"/>
+          </a:bodyPr>
+          <a:lstStyle/>
+          <a:p>
+            <a:r>
+              <a:rPr lang="en-US" dirty="0"/>
+              <a:t>REMITLY was founded as a solution to simplify international money transfers and payments</a:t>
+            </a:r>
+          </a:p>
+          <a:p>
+            <a:r>
+              <a:rPr lang="en-US" dirty="0"/>
+              <a:t>Reducing or eliminating fees and really easing the process to get the money overseas</a:t>
+            </a:r>
+          </a:p>
+          <a:p>
+            <a:r>
+              <a:rPr lang="en-US" dirty="0"/>
+              <a:t>Initially focused on helping people in America transferring money to Philippines</a:t>
+            </a:r>
+          </a:p>
+          <a:p>
+            <a:r>
+              <a:rPr lang="en-US" dirty="0"/>
+              <a:t>Currently: 16 different developed countries to around 44 developing countries</a:t>
+            </a:r>
+          </a:p>
+        </p:txBody>
+      </p:sp>
+      <p:sp>
+        <p:nvSpPr>
+          <p:cNvPr id="4" name="Footer Placeholder 3">
+            <a:extLst>
+              <a:ext uri="{FF2B5EF4-FFF2-40B4-BE49-F238E27FC236}">
+                <a16:creationId xmlns:a16="http://schemas.microsoft.com/office/drawing/2014/main" id="{60AEB3BF-B58B-ED41-9922-25F2E206B216}"/>
+              </a:ext>
+            </a:extLst>
+          </p:cNvPr>
+          <p:cNvSpPr>
+            <a:spLocks noGrp="1"/>
+          </p:cNvSpPr>
+          <p:nvPr>
+            <p:ph type="ftr" sz="quarter" idx="11"/>
+          </p:nvPr>
+        </p:nvSpPr>
+        <p:spPr/>
+        <p:txBody>
+          <a:bodyPr/>
+          <a:lstStyle/>
+          <a:p>
+            <a:r>
+              <a:rPr lang="en-US"/>
+              <a:t>Andrés Mejía - FinTech Boot Camp - Rice University - Dec. 2019</a:t>
+            </a:r>
+            <a:endParaRPr lang="en-US" dirty="0"/>
+          </a:p>
+        </p:txBody>
+      </p:sp>
+      <p:sp>
+        <p:nvSpPr>
+          <p:cNvPr id="5" name="Rectangle 4">
+            <a:extLst>
+              <a:ext uri="{FF2B5EF4-FFF2-40B4-BE49-F238E27FC236}">
+                <a16:creationId xmlns:a16="http://schemas.microsoft.com/office/drawing/2014/main" id="{C3D67FA4-B890-B042-84DB-BD486E147DFD}"/>
+              </a:ext>
+            </a:extLst>
+          </p:cNvPr>
+          <p:cNvSpPr/>
+          <p:nvPr/>
+        </p:nvSpPr>
+        <p:spPr>
+          <a:xfrm>
+            <a:off x="4527090" y="4936656"/>
+            <a:ext cx="3134641" cy="369332"/>
+          </a:xfrm>
+          <a:prstGeom prst="rect">
+            <a:avLst/>
+          </a:prstGeom>
+        </p:spPr>
+        <p:txBody>
+          <a:bodyPr wrap="none">
+            <a:spAutoFit/>
+          </a:bodyPr>
+          <a:lstStyle/>
+          <a:p>
+            <a:r>
+              <a:rPr lang="en-US" dirty="0">
+                <a:solidFill>
+                  <a:srgbClr val="FFFFFF"/>
+                </a:solidFill>
+                <a:latin typeface="YouTube Noto"/>
+                <a:hlinkClick r:id="rId2"/>
+              </a:rPr>
+              <a:t>https://youtu.be/Qk-QjBvQspw</a:t>
+            </a:r>
+            <a:endParaRPr lang="en-US" dirty="0"/>
+          </a:p>
+        </p:txBody>
+      </p:sp>
+    </p:spTree>
+    <p:extLst>
+      <p:ext uri="{BB962C8B-B14F-4D97-AF65-F5344CB8AC3E}">
+        <p14:creationId xmlns:p14="http://schemas.microsoft.com/office/powerpoint/2010/main" val="1570180997"/>
+      </p:ext>
+    </p:extLst>
+  </p:cSld>
+  <p:clrMapOvr>
+    <a:masterClrMapping/>
+  </p:clrMapOvr>
+</p:sld>
+</file>
+
+<file path=ppt/slides/slide4.xml><?xml version="1.0" encoding="utf-8"?>
+<p:sld xmlns:a="http://schemas.openxmlformats.org/drawingml/2006/main" xmlns:r="http://schemas.openxmlformats.org/officeDocument/2006/relationships" xmlns:p="http://schemas.openxmlformats.org/presentationml/2006/main">
+  <p:cSld>
+    <p:spTree>
+      <p:nvGrpSpPr>
+        <p:cNvPr id="1" name=""/>
+        <p:cNvGrpSpPr/>
+        <p:nvPr/>
+      </p:nvGrpSpPr>
+      <p:grpSpPr>
+        <a:xfrm>
+          <a:off x="0" y="0"/>
+          <a:ext cx="0" cy="0"/>
+          <a:chOff x="0" y="0"/>
+          <a:chExt cx="0" cy="0"/>
+        </a:xfrm>
+      </p:grpSpPr>
+      <p:sp>
+        <p:nvSpPr>
+          <p:cNvPr id="2" name="Title 1">
+            <a:extLst>
+              <a:ext uri="{FF2B5EF4-FFF2-40B4-BE49-F238E27FC236}">
+                <a16:creationId xmlns:a16="http://schemas.microsoft.com/office/drawing/2014/main" id="{B91E9440-714E-D246-91FB-FD5751A55BB2}"/>
+              </a:ext>
+            </a:extLst>
+          </p:cNvPr>
+          <p:cNvSpPr>
+            <a:spLocks noGrp="1"/>
+          </p:cNvSpPr>
+          <p:nvPr>
+            <p:ph type="title"/>
+          </p:nvPr>
+        </p:nvSpPr>
+        <p:spPr/>
+        <p:txBody>
+          <a:bodyPr/>
+          <a:lstStyle/>
+          <a:p>
+            <a:r>
+              <a:rPr lang="en-US" dirty="0"/>
+              <a:t>REMITLY – How it Works</a:t>
+            </a:r>
+          </a:p>
+        </p:txBody>
+      </p:sp>
+      <p:sp>
+        <p:nvSpPr>
+          <p:cNvPr id="4" name="Footer Placeholder 3">
+            <a:extLst>
+              <a:ext uri="{FF2B5EF4-FFF2-40B4-BE49-F238E27FC236}">
+                <a16:creationId xmlns:a16="http://schemas.microsoft.com/office/drawing/2014/main" id="{C2205130-AAE3-9D4B-97A0-4DD42E56BFCE}"/>
+              </a:ext>
+            </a:extLst>
+          </p:cNvPr>
+          <p:cNvSpPr>
+            <a:spLocks noGrp="1"/>
+          </p:cNvSpPr>
+          <p:nvPr>
+            <p:ph type="ftr" sz="quarter" idx="11"/>
+          </p:nvPr>
+        </p:nvSpPr>
+        <p:spPr/>
+        <p:txBody>
+          <a:bodyPr/>
+          <a:lstStyle/>
+          <a:p>
+            <a:r>
+              <a:rPr lang="en-US"/>
+              <a:t>Andrés Mejía - FinTech Boot Camp - Rice University - Dec. 2019</a:t>
+            </a:r>
+            <a:endParaRPr lang="en-US" dirty="0"/>
+          </a:p>
+        </p:txBody>
+      </p:sp>
+      <p:sp>
+        <p:nvSpPr>
+          <p:cNvPr id="5" name="Rectangle 4">
+            <a:extLst>
+              <a:ext uri="{FF2B5EF4-FFF2-40B4-BE49-F238E27FC236}">
+                <a16:creationId xmlns:a16="http://schemas.microsoft.com/office/drawing/2014/main" id="{6C708AC6-0B5B-7E4C-BDEE-407C987842F3}"/>
+              </a:ext>
+            </a:extLst>
+          </p:cNvPr>
+          <p:cNvSpPr/>
+          <p:nvPr/>
+        </p:nvSpPr>
+        <p:spPr>
+          <a:xfrm>
+            <a:off x="4549181" y="4996071"/>
+            <a:ext cx="3090461" cy="369332"/>
+          </a:xfrm>
+          <a:prstGeom prst="rect">
+            <a:avLst/>
+          </a:prstGeom>
+        </p:spPr>
+        <p:txBody>
+          <a:bodyPr wrap="none">
+            <a:spAutoFit/>
+          </a:bodyPr>
+          <a:lstStyle/>
+          <a:p>
+            <a:r>
+              <a:rPr lang="en-US" dirty="0">
+                <a:solidFill>
+                  <a:srgbClr val="FFFFFF"/>
+                </a:solidFill>
+                <a:latin typeface="YouTube Noto"/>
+                <a:hlinkClick r:id="rId2"/>
+              </a:rPr>
+              <a:t>https://youtu.be/Gs5ReHtlNHc</a:t>
+            </a:r>
+            <a:endParaRPr lang="en-US" dirty="0"/>
+          </a:p>
+        </p:txBody>
+      </p:sp>
+      <p:pic>
+        <p:nvPicPr>
+          <p:cNvPr id="6" name="Picture 5">
+            <a:extLst>
+              <a:ext uri="{FF2B5EF4-FFF2-40B4-BE49-F238E27FC236}">
+                <a16:creationId xmlns:a16="http://schemas.microsoft.com/office/drawing/2014/main" id="{52ADD30A-AD3F-EC43-846B-2C09DB1EC0D8}"/>
+              </a:ext>
+            </a:extLst>
+          </p:cNvPr>
+          <p:cNvPicPr>
+            <a:picLocks noChangeAspect="1"/>
+          </p:cNvPicPr>
+          <p:nvPr/>
+        </p:nvPicPr>
+        <p:blipFill>
+          <a:blip r:embed="rId3"/>
+          <a:stretch>
+            <a:fillRect/>
+          </a:stretch>
+        </p:blipFill>
+        <p:spPr>
+          <a:xfrm>
+            <a:off x="1141411" y="2097088"/>
+            <a:ext cx="10777157" cy="2381111"/>
+          </a:xfrm>
+          <a:prstGeom prst="rect">
+            <a:avLst/>
+          </a:prstGeom>
+        </p:spPr>
+      </p:pic>
+      <p:sp>
+        <p:nvSpPr>
+          <p:cNvPr id="7" name="TextBox 6">
+            <a:extLst>
+              <a:ext uri="{FF2B5EF4-FFF2-40B4-BE49-F238E27FC236}">
+                <a16:creationId xmlns:a16="http://schemas.microsoft.com/office/drawing/2014/main" id="{50D9BB1D-D57C-0445-97F4-97BC0FB5C1B4}"/>
+              </a:ext>
+            </a:extLst>
+          </p:cNvPr>
+          <p:cNvSpPr txBox="1"/>
+          <p:nvPr/>
+        </p:nvSpPr>
+        <p:spPr>
+          <a:xfrm>
+            <a:off x="9962877" y="4490110"/>
+            <a:ext cx="1915781" cy="307777"/>
+          </a:xfrm>
+          <a:prstGeom prst="rect">
+            <a:avLst/>
+          </a:prstGeom>
+          <a:noFill/>
+        </p:spPr>
+        <p:txBody>
+          <a:bodyPr wrap="none" rtlCol="0">
+            <a:spAutoFit/>
+          </a:bodyPr>
+          <a:lstStyle/>
+          <a:p>
+            <a:r>
+              <a:rPr lang="en-US" sz="1400" i="1" dirty="0"/>
+              <a:t>* From </a:t>
+            </a:r>
+            <a:r>
+              <a:rPr lang="en-US" sz="1400" i="1" dirty="0" err="1"/>
+              <a:t>www.Remitly.com</a:t>
+            </a:r>
+            <a:endParaRPr lang="en-US" sz="1400" i="1" dirty="0"/>
+          </a:p>
+        </p:txBody>
+      </p:sp>
+    </p:spTree>
+    <p:extLst>
+      <p:ext uri="{BB962C8B-B14F-4D97-AF65-F5344CB8AC3E}">
+        <p14:creationId xmlns:p14="http://schemas.microsoft.com/office/powerpoint/2010/main" val="1538335108"/>
+      </p:ext>
+    </p:extLst>
+  </p:cSld>
+  <p:clrMapOvr>
+    <a:masterClrMapping/>
+  </p:clrMapOvr>
+</p:sld>
+</file>
+
+<file path=ppt/slides/slide5.xml><?xml version="1.0" encoding="utf-8"?>
+<p:sld xmlns:a="http://schemas.openxmlformats.org/drawingml/2006/main" xmlns:r="http://schemas.openxmlformats.org/officeDocument/2006/relationships" xmlns:p="http://schemas.openxmlformats.org/presentationml/2006/main">
+  <p:cSld>
+    <p:spTree>
+      <p:nvGrpSpPr>
+        <p:cNvPr id="1" name=""/>
+        <p:cNvGrpSpPr/>
+        <p:nvPr/>
+      </p:nvGrpSpPr>
+      <p:grpSpPr>
+        <a:xfrm>
+          <a:off x="0" y="0"/>
+          <a:ext cx="0" cy="0"/>
+          <a:chOff x="0" y="0"/>
+          <a:chExt cx="0" cy="0"/>
+        </a:xfrm>
+      </p:grpSpPr>
+      <p:sp>
+        <p:nvSpPr>
+          <p:cNvPr id="2" name="Title 1">
+            <a:extLst>
+              <a:ext uri="{FF2B5EF4-FFF2-40B4-BE49-F238E27FC236}">
+                <a16:creationId xmlns:a16="http://schemas.microsoft.com/office/drawing/2014/main" id="{3752E0D4-693A-1D40-BECB-DD565EE8506A}"/>
+              </a:ext>
+            </a:extLst>
+          </p:cNvPr>
+          <p:cNvSpPr>
+            <a:spLocks noGrp="1"/>
+          </p:cNvSpPr>
+          <p:nvPr>
+            <p:ph type="title"/>
+          </p:nvPr>
+        </p:nvSpPr>
+        <p:spPr/>
+        <p:txBody>
+          <a:bodyPr/>
+          <a:lstStyle/>
+          <a:p>
+            <a:r>
+              <a:rPr lang="en-US" dirty="0"/>
+              <a:t>REMITLY – Top 10 competitors</a:t>
+            </a:r>
+          </a:p>
+        </p:txBody>
+      </p:sp>
+      <p:pic>
+        <p:nvPicPr>
+          <p:cNvPr id="6" name="Content Placeholder 5">
+            <a:extLst>
+              <a:ext uri="{FF2B5EF4-FFF2-40B4-BE49-F238E27FC236}">
+                <a16:creationId xmlns:a16="http://schemas.microsoft.com/office/drawing/2014/main" id="{C9C1FBD6-3E7D-1341-A707-4BE269F145D3}"/>
+              </a:ext>
+            </a:extLst>
+          </p:cNvPr>
+          <p:cNvPicPr>
+            <a:picLocks noGrp="1" noChangeAspect="1"/>
+          </p:cNvPicPr>
+          <p:nvPr>
+            <p:ph idx="1"/>
+          </p:nvPr>
+        </p:nvPicPr>
+        <p:blipFill>
+          <a:blip r:embed="rId2"/>
+          <a:stretch>
+            <a:fillRect/>
+          </a:stretch>
+        </p:blipFill>
+        <p:spPr>
+          <a:xfrm>
+            <a:off x="2222279" y="2085712"/>
+            <a:ext cx="7744268" cy="3541712"/>
+          </a:xfrm>
+        </p:spPr>
+      </p:pic>
+      <p:sp>
+        <p:nvSpPr>
+          <p:cNvPr id="4" name="Footer Placeholder 3">
+            <a:extLst>
+              <a:ext uri="{FF2B5EF4-FFF2-40B4-BE49-F238E27FC236}">
+                <a16:creationId xmlns:a16="http://schemas.microsoft.com/office/drawing/2014/main" id="{92DF2204-B212-7840-B1E8-205724D4A257}"/>
+              </a:ext>
+            </a:extLst>
+          </p:cNvPr>
+          <p:cNvSpPr>
+            <a:spLocks noGrp="1"/>
+          </p:cNvSpPr>
+          <p:nvPr>
+            <p:ph type="ftr" sz="quarter" idx="11"/>
+          </p:nvPr>
+        </p:nvSpPr>
+        <p:spPr/>
+        <p:txBody>
+          <a:bodyPr/>
+          <a:lstStyle/>
+          <a:p>
+            <a:r>
+              <a:rPr lang="en-US"/>
+              <a:t>Andrés Mejía - FinTech Boot Camp - Rice University - Dec. 2019</a:t>
+            </a:r>
+            <a:endParaRPr lang="en-US" dirty="0"/>
+          </a:p>
+        </p:txBody>
+      </p:sp>
+      <p:sp>
+        <p:nvSpPr>
+          <p:cNvPr id="7" name="TextBox 6">
+            <a:extLst>
+              <a:ext uri="{FF2B5EF4-FFF2-40B4-BE49-F238E27FC236}">
+                <a16:creationId xmlns:a16="http://schemas.microsoft.com/office/drawing/2014/main" id="{D7F3A11E-5846-8546-92D9-40CB7377414E}"/>
+              </a:ext>
+            </a:extLst>
+          </p:cNvPr>
+          <p:cNvSpPr txBox="1"/>
+          <p:nvPr/>
+        </p:nvSpPr>
+        <p:spPr>
+          <a:xfrm>
+            <a:off x="8366089" y="5594284"/>
+            <a:ext cx="1735668" cy="307777"/>
+          </a:xfrm>
+          <a:prstGeom prst="rect">
+            <a:avLst/>
+          </a:prstGeom>
+          <a:noFill/>
+        </p:spPr>
+        <p:txBody>
+          <a:bodyPr wrap="none" rtlCol="0">
+            <a:spAutoFit/>
+          </a:bodyPr>
+          <a:lstStyle/>
+          <a:p>
+            <a:r>
+              <a:rPr lang="en-US" sz="1400" i="1" dirty="0"/>
+              <a:t>* From </a:t>
+            </a:r>
+            <a:r>
+              <a:rPr lang="en-US" sz="1400" i="1" dirty="0" err="1"/>
+              <a:t>www.owler.com</a:t>
+            </a:r>
+            <a:endParaRPr lang="en-US" sz="1400" i="1" dirty="0"/>
+          </a:p>
+        </p:txBody>
+      </p:sp>
+    </p:spTree>
+    <p:extLst>
+      <p:ext uri="{BB962C8B-B14F-4D97-AF65-F5344CB8AC3E}">
+        <p14:creationId xmlns:p14="http://schemas.microsoft.com/office/powerpoint/2010/main" val="2461461526"/>
+      </p:ext>
+    </p:extLst>
+  </p:cSld>
+  <p:clrMapOvr>
+    <a:masterClrMapping/>
+  </p:clrMapOvr>
+</p:sld>
+</file>
+
+<file path=ppt/slides/slide6.xml><?xml version="1.0" encoding="utf-8"?>
+<p:sld xmlns:a="http://schemas.openxmlformats.org/drawingml/2006/main" xmlns:r="http://schemas.openxmlformats.org/officeDocument/2006/relationships" xmlns:p="http://schemas.openxmlformats.org/presentationml/2006/main">
+  <p:cSld>
+    <p:spTree>
+      <p:nvGrpSpPr>
+        <p:cNvPr id="1" name=""/>
+        <p:cNvGrpSpPr/>
+        <p:nvPr/>
+      </p:nvGrpSpPr>
+      <p:grpSpPr>
+        <a:xfrm>
+          <a:off x="0" y="0"/>
+          <a:ext cx="0" cy="0"/>
+          <a:chOff x="0" y="0"/>
+          <a:chExt cx="0" cy="0"/>
+        </a:xfrm>
+      </p:grpSpPr>
+      <p:sp>
+        <p:nvSpPr>
+          <p:cNvPr id="2" name="Title 1">
+            <a:extLst>
+              <a:ext uri="{FF2B5EF4-FFF2-40B4-BE49-F238E27FC236}">
+                <a16:creationId xmlns:a16="http://schemas.microsoft.com/office/drawing/2014/main" id="{663F3CE6-DC7A-5B42-8B51-EA82FFA3BED7}"/>
+              </a:ext>
+            </a:extLst>
+          </p:cNvPr>
+          <p:cNvSpPr>
+            <a:spLocks noGrp="1"/>
+          </p:cNvSpPr>
+          <p:nvPr>
+            <p:ph type="title"/>
+          </p:nvPr>
+        </p:nvSpPr>
+        <p:spPr/>
+        <p:txBody>
+          <a:bodyPr/>
+          <a:lstStyle/>
+          <a:p>
+            <a:r>
+              <a:rPr lang="en-US" dirty="0"/>
+              <a:t>REMITLY – New products</a:t>
+            </a:r>
+          </a:p>
+        </p:txBody>
+      </p:sp>
+      <p:sp>
+        <p:nvSpPr>
+          <p:cNvPr id="3" name="Content Placeholder 2">
+            <a:extLst>
+              <a:ext uri="{FF2B5EF4-FFF2-40B4-BE49-F238E27FC236}">
+                <a16:creationId xmlns:a16="http://schemas.microsoft.com/office/drawing/2014/main" id="{CCB8F34C-B183-8E45-8F52-B197AEC4B9AD}"/>
+              </a:ext>
+            </a:extLst>
+          </p:cNvPr>
+          <p:cNvSpPr>
+            <a:spLocks noGrp="1"/>
+          </p:cNvSpPr>
+          <p:nvPr>
+            <p:ph idx="1"/>
+          </p:nvPr>
+        </p:nvSpPr>
+        <p:spPr/>
+        <p:txBody>
+          <a:bodyPr/>
+          <a:lstStyle/>
+          <a:p>
+            <a:r>
+              <a:rPr lang="en-US" dirty="0"/>
+              <a:t>Mini and Micro loans with affordable rates</a:t>
+            </a:r>
+          </a:p>
+          <a:p>
+            <a:r>
+              <a:rPr lang="en-US" dirty="0"/>
+              <a:t>Helping immigrants to build and maintain credit history</a:t>
+            </a:r>
+          </a:p>
+          <a:p>
+            <a:r>
+              <a:rPr lang="en-US" dirty="0"/>
+              <a:t>Credit Card</a:t>
+            </a:r>
+          </a:p>
+          <a:p>
+            <a:r>
+              <a:rPr lang="en-US" dirty="0"/>
+              <a:t>Partnership with major e-</a:t>
+            </a:r>
+            <a:r>
+              <a:rPr lang="en-US" dirty="0" err="1"/>
+              <a:t>commerces</a:t>
+            </a:r>
+            <a:r>
+              <a:rPr lang="en-US" dirty="0"/>
+              <a:t> to pay with REMITLY directly</a:t>
+            </a:r>
+          </a:p>
+          <a:p>
+            <a:r>
+              <a:rPr lang="en-US" dirty="0"/>
+              <a:t>On-line investments</a:t>
+            </a:r>
+          </a:p>
+          <a:p>
+            <a:endParaRPr lang="en-US" dirty="0"/>
+          </a:p>
+        </p:txBody>
+      </p:sp>
+      <p:sp>
+        <p:nvSpPr>
+          <p:cNvPr id="4" name="Footer Placeholder 3">
+            <a:extLst>
+              <a:ext uri="{FF2B5EF4-FFF2-40B4-BE49-F238E27FC236}">
+                <a16:creationId xmlns:a16="http://schemas.microsoft.com/office/drawing/2014/main" id="{58D8164E-CFDB-8045-A130-1F55D95F6D70}"/>
+              </a:ext>
+            </a:extLst>
+          </p:cNvPr>
+          <p:cNvSpPr>
+            <a:spLocks noGrp="1"/>
+          </p:cNvSpPr>
+          <p:nvPr>
+            <p:ph type="ftr" sz="quarter" idx="11"/>
+          </p:nvPr>
+        </p:nvSpPr>
+        <p:spPr/>
+        <p:txBody>
+          <a:bodyPr/>
+          <a:lstStyle/>
+          <a:p>
+            <a:r>
+              <a:rPr lang="en-US"/>
+              <a:t>Andrés Mejía - FinTech Boot Camp - Rice University - Dec. 2019</a:t>
+            </a:r>
+            <a:endParaRPr lang="en-US" dirty="0"/>
+          </a:p>
+        </p:txBody>
+      </p:sp>
+    </p:spTree>
+    <p:extLst>
+      <p:ext uri="{BB962C8B-B14F-4D97-AF65-F5344CB8AC3E}">
+        <p14:creationId xmlns:p14="http://schemas.microsoft.com/office/powerpoint/2010/main" val="1923674099"/>
+      </p:ext>
+    </p:extLst>
+  </p:cSld>
+  <p:clrMapOvr>
+    <a:masterClrMapping/>
+  </p:clrMapOvr>
+</p:sld>
+</file>
+
+<file path=ppt/slides/slide7.xml><?xml version="1.0" encoding="utf-8"?>
+<p:sld xmlns:a="http://schemas.openxmlformats.org/drawingml/2006/main" xmlns:r="http://schemas.openxmlformats.org/officeDocument/2006/relationships" xmlns:p="http://schemas.openxmlformats.org/presentationml/2006/main">
+  <p:cSld>
+    <p:spTree>
+      <p:nvGrpSpPr>
+        <p:cNvPr id="1" name=""/>
+        <p:cNvGrpSpPr/>
+        <p:nvPr/>
+      </p:nvGrpSpPr>
+      <p:grpSpPr>
+        <a:xfrm>
+          <a:off x="0" y="0"/>
+          <a:ext cx="0" cy="0"/>
+          <a:chOff x="0" y="0"/>
+          <a:chExt cx="0" cy="0"/>
+        </a:xfrm>
+      </p:grpSpPr>
+      <p:sp>
+        <p:nvSpPr>
+          <p:cNvPr id="2" name="Title 1">
+            <a:extLst>
+              <a:ext uri="{FF2B5EF4-FFF2-40B4-BE49-F238E27FC236}">
+                <a16:creationId xmlns:a16="http://schemas.microsoft.com/office/drawing/2014/main" id="{40773C98-D3D1-6B4B-BFC9-F135EF0F5B67}"/>
+              </a:ext>
+            </a:extLst>
+          </p:cNvPr>
+          <p:cNvSpPr>
+            <a:spLocks noGrp="1"/>
+          </p:cNvSpPr>
+          <p:nvPr>
+            <p:ph type="title"/>
+          </p:nvPr>
+        </p:nvSpPr>
+        <p:spPr/>
+        <p:txBody>
+          <a:bodyPr/>
+          <a:lstStyle/>
+          <a:p>
+            <a:r>
+              <a:rPr lang="en-US" dirty="0"/>
+              <a:t>REMITLY – Q&amp;A</a:t>
+            </a:r>
+          </a:p>
+        </p:txBody>
+      </p:sp>
+      <p:sp>
+        <p:nvSpPr>
+          <p:cNvPr id="4" name="Footer Placeholder 3">
+            <a:extLst>
+              <a:ext uri="{FF2B5EF4-FFF2-40B4-BE49-F238E27FC236}">
+                <a16:creationId xmlns:a16="http://schemas.microsoft.com/office/drawing/2014/main" id="{80466C6D-9DEF-804C-A64C-08577CA02F71}"/>
+              </a:ext>
+            </a:extLst>
+          </p:cNvPr>
+          <p:cNvSpPr>
+            <a:spLocks noGrp="1"/>
+          </p:cNvSpPr>
+          <p:nvPr>
+            <p:ph type="ftr" sz="quarter" idx="11"/>
+          </p:nvPr>
+        </p:nvSpPr>
+        <p:spPr/>
+        <p:txBody>
+          <a:bodyPr/>
+          <a:lstStyle/>
+          <a:p>
+            <a:r>
+              <a:rPr lang="en-US"/>
+              <a:t>Andrés Mejía - FinTech Boot Camp - Rice University - Dec. 2019</a:t>
+            </a:r>
+            <a:endParaRPr lang="en-US" dirty="0"/>
+          </a:p>
+        </p:txBody>
+      </p:sp>
+      <p:pic>
+        <p:nvPicPr>
+          <p:cNvPr id="6" name="Picture 5">
+            <a:extLst>
+              <a:ext uri="{FF2B5EF4-FFF2-40B4-BE49-F238E27FC236}">
+                <a16:creationId xmlns:a16="http://schemas.microsoft.com/office/drawing/2014/main" id="{EC429738-A239-0A4B-BE47-9EE0112C2202}"/>
+              </a:ext>
+            </a:extLst>
+          </p:cNvPr>
+          <p:cNvPicPr>
+            <a:picLocks noChangeAspect="1"/>
+          </p:cNvPicPr>
+          <p:nvPr/>
+        </p:nvPicPr>
+        <p:blipFill>
+          <a:blip r:embed="rId2"/>
+          <a:stretch>
+            <a:fillRect/>
+          </a:stretch>
+        </p:blipFill>
+        <p:spPr>
+          <a:xfrm>
+            <a:off x="2727738" y="1713362"/>
+            <a:ext cx="6733347" cy="4027984"/>
+          </a:xfrm>
+          <a:prstGeom prst="rect">
+            <a:avLst/>
+          </a:prstGeom>
+        </p:spPr>
+      </p:pic>
+    </p:spTree>
+    <p:extLst>
+      <p:ext uri="{BB962C8B-B14F-4D97-AF65-F5344CB8AC3E}">
+        <p14:creationId xmlns:p14="http://schemas.microsoft.com/office/powerpoint/2010/main" val="2037797813"/>
+      </p:ext>
+    </p:extLst>
+  </p:cSld>
+  <p:clrMapOvr>
+    <a:masterClrMapping/>
+  </p:clrMapOvr>
+</p:sld>
+</file>
+
+<file path=ppt/slides/slide8.xml><?xml version="1.0" encoding="utf-8"?>
+<p:sld xmlns:a="http://schemas.openxmlformats.org/drawingml/2006/main" xmlns:r="http://schemas.openxmlformats.org/officeDocument/2006/relationships" xmlns:p="http://schemas.openxmlformats.org/presentationml/2006/main">
+  <p:cSld>
+    <p:spTree>
+      <p:nvGrpSpPr>
+        <p:cNvPr id="1" name=""/>
+        <p:cNvGrpSpPr/>
+        <p:nvPr/>
+      </p:nvGrpSpPr>
+      <p:grpSpPr>
+        <a:xfrm>
+          <a:off x="0" y="0"/>
+          <a:ext cx="0" cy="0"/>
+          <a:chOff x="0" y="0"/>
+          <a:chExt cx="0" cy="0"/>
+        </a:xfrm>
+      </p:grpSpPr>
+      <p:sp>
+        <p:nvSpPr>
+          <p:cNvPr id="2" name="Title 1">
+            <a:extLst>
+              <a:ext uri="{FF2B5EF4-FFF2-40B4-BE49-F238E27FC236}">
+                <a16:creationId xmlns:a16="http://schemas.microsoft.com/office/drawing/2014/main" id="{10E851F1-D7CC-BA43-927C-E20EC0EC913A}"/>
+              </a:ext>
+            </a:extLst>
+          </p:cNvPr>
+          <p:cNvSpPr>
+            <a:spLocks noGrp="1"/>
+          </p:cNvSpPr>
+          <p:nvPr>
+            <p:ph type="title"/>
+          </p:nvPr>
+        </p:nvSpPr>
+        <p:spPr/>
+        <p:txBody>
+          <a:bodyPr/>
+          <a:lstStyle/>
+          <a:p>
+            <a:r>
+              <a:rPr lang="en-US" dirty="0"/>
+              <a:t>References</a:t>
+            </a:r>
+          </a:p>
+        </p:txBody>
+      </p:sp>
+      <p:sp>
+        <p:nvSpPr>
+          <p:cNvPr id="3" name="Content Placeholder 2">
+            <a:extLst>
+              <a:ext uri="{FF2B5EF4-FFF2-40B4-BE49-F238E27FC236}">
+                <a16:creationId xmlns:a16="http://schemas.microsoft.com/office/drawing/2014/main" id="{98A7D382-AEB3-0C4E-809A-6AED2888F1BA}"/>
+              </a:ext>
+            </a:extLst>
+          </p:cNvPr>
+          <p:cNvSpPr>
+            <a:spLocks noGrp="1"/>
+          </p:cNvSpPr>
+          <p:nvPr>
+            <p:ph idx="1"/>
+          </p:nvPr>
+        </p:nvSpPr>
+        <p:spPr/>
+        <p:txBody>
+          <a:bodyPr>
+            <a:normAutofit fontScale="77500" lnSpcReduction="20000"/>
+          </a:bodyPr>
+          <a:lstStyle/>
+          <a:p>
+            <a:r>
+              <a:rPr lang="en-US" dirty="0" err="1"/>
+              <a:t>Remitly</a:t>
+            </a:r>
+            <a:r>
+              <a:rPr lang="en-US" dirty="0"/>
+              <a:t> </a:t>
+            </a:r>
+            <a:r>
+              <a:rPr lang="en-US" dirty="0" err="1"/>
+              <a:t>WebPage</a:t>
+            </a:r>
+            <a:r>
+              <a:rPr lang="en-US" dirty="0"/>
+              <a:t>. (n.d.). Retrieved December 10, 2019. From </a:t>
+            </a:r>
+            <a:r>
+              <a:rPr lang="en-US" dirty="0">
+                <a:hlinkClick r:id="rId2"/>
+              </a:rPr>
+              <a:t>https://www.remitly.com/us/en/home/about</a:t>
+            </a:r>
+            <a:endParaRPr lang="en-US" dirty="0"/>
+          </a:p>
+          <a:p>
+            <a:endParaRPr lang="en-US" dirty="0"/>
+          </a:p>
+          <a:p>
+            <a:r>
+              <a:rPr lang="en-US" dirty="0" err="1"/>
+              <a:t>GeekWire</a:t>
+            </a:r>
+            <a:r>
+              <a:rPr lang="en-US" dirty="0"/>
+              <a:t> </a:t>
+            </a:r>
+            <a:r>
+              <a:rPr lang="en-US" dirty="0" err="1"/>
+              <a:t>WebPage</a:t>
+            </a:r>
+            <a:r>
+              <a:rPr lang="en-US" dirty="0"/>
+              <a:t> - "</a:t>
+            </a:r>
+            <a:r>
+              <a:rPr lang="en-US" dirty="0" err="1"/>
+              <a:t>Remitly</a:t>
+            </a:r>
+            <a:r>
+              <a:rPr lang="en-US" dirty="0"/>
+              <a:t> raises $135M and inks $85M credit line to grow remittance service, launch new products". Taylor Soper. Retrieved December 12, 2019. From </a:t>
+            </a:r>
+            <a:r>
+              <a:rPr lang="en-US" dirty="0">
+                <a:hlinkClick r:id="rId3"/>
+              </a:rPr>
+              <a:t>https://www.geekwire.com/2019/remitly-lands-massive-220m-investment-grow-remittance-service-launch-new-fintech-products/</a:t>
+            </a:r>
+            <a:endParaRPr lang="en-US" dirty="0"/>
+          </a:p>
+          <a:p>
+            <a:endParaRPr lang="en-US" dirty="0"/>
+          </a:p>
+          <a:p>
+            <a:r>
+              <a:rPr lang="en-US" dirty="0" err="1"/>
+              <a:t>Owler</a:t>
+            </a:r>
+            <a:r>
+              <a:rPr lang="en-US" dirty="0"/>
+              <a:t> </a:t>
+            </a:r>
+            <a:r>
+              <a:rPr lang="en-US" dirty="0" err="1"/>
+              <a:t>WebPage</a:t>
+            </a:r>
+            <a:r>
+              <a:rPr lang="en-US" dirty="0"/>
+              <a:t> - "</a:t>
+            </a:r>
+            <a:r>
+              <a:rPr lang="en-US" dirty="0" err="1"/>
+              <a:t>Remitly's</a:t>
+            </a:r>
+            <a:r>
+              <a:rPr lang="en-US" dirty="0"/>
+              <a:t> Competitors, Revenue, Number of Employees, Funding and Acquisition". (n.d.). Retrieved December 12, 2019. From </a:t>
+            </a:r>
+            <a:r>
+              <a:rPr lang="en-US" dirty="0">
+                <a:hlinkClick r:id="rId4"/>
+              </a:rPr>
+              <a:t>https://www.owler.com/company/remitly</a:t>
+            </a:r>
+            <a:endParaRPr lang="en-US" dirty="0"/>
+          </a:p>
+          <a:p>
+            <a:pPr marL="0" indent="0">
+              <a:buNone/>
+            </a:pPr>
+            <a:endParaRPr lang="en-US" dirty="0"/>
+          </a:p>
+        </p:txBody>
+      </p:sp>
+      <p:sp>
+        <p:nvSpPr>
+          <p:cNvPr id="4" name="Footer Placeholder 3">
+            <a:extLst>
+              <a:ext uri="{FF2B5EF4-FFF2-40B4-BE49-F238E27FC236}">
+                <a16:creationId xmlns:a16="http://schemas.microsoft.com/office/drawing/2014/main" id="{8E1DD179-1C00-824B-8133-553EEE95D6B2}"/>
+              </a:ext>
+            </a:extLst>
+          </p:cNvPr>
+          <p:cNvSpPr>
+            <a:spLocks noGrp="1"/>
+          </p:cNvSpPr>
+          <p:nvPr>
+            <p:ph type="ftr" sz="quarter" idx="11"/>
+          </p:nvPr>
+        </p:nvSpPr>
+        <p:spPr/>
+        <p:txBody>
+          <a:bodyPr/>
+          <a:lstStyle/>
+          <a:p>
+            <a:r>
+              <a:rPr lang="en-US"/>
+              <a:t>Andrés Mejía - FinTech Boot Camp - Rice University - Dec. 2019</a:t>
+            </a:r>
+            <a:endParaRPr lang="en-US" dirty="0"/>
+          </a:p>
+        </p:txBody>
+      </p:sp>
+    </p:spTree>
+    <p:extLst>
+      <p:ext uri="{BB962C8B-B14F-4D97-AF65-F5344CB8AC3E}">
+        <p14:creationId xmlns:p14="http://schemas.microsoft.com/office/powerpoint/2010/main" val="2631271696"/>
       </p:ext>
     </p:extLst>
   </p:cSld>
@@ -12778,4 +14360,299 @@
     </a:ext>
   </a:extLst>
 </a:theme>
+</file>
+
+<file path=ppt/theme/theme2.xml><?xml version="1.0" encoding="utf-8"?>
+<a:theme xmlns:a="http://schemas.openxmlformats.org/drawingml/2006/main" name="Office Theme">
+  <a:themeElements>
+    <a:clrScheme name="Office">
+      <a:dk1>
+        <a:sysClr val="windowText" lastClr="000000"/>
+      </a:dk1>
+      <a:lt1>
+        <a:sysClr val="window" lastClr="FFFFFF"/>
+      </a:lt1>
+      <a:dk2>
+        <a:srgbClr val="44546A"/>
+      </a:dk2>
+      <a:lt2>
+        <a:srgbClr val="E7E6E6"/>
+      </a:lt2>
+      <a:accent1>
+        <a:srgbClr val="4472C4"/>
+      </a:accent1>
+      <a:accent2>
+        <a:srgbClr val="ED7D31"/>
+      </a:accent2>
+      <a:accent3>
+        <a:srgbClr val="A5A5A5"/>
+      </a:accent3>
+      <a:accent4>
+        <a:srgbClr val="FFC000"/>
+      </a:accent4>
+      <a:accent5>
+        <a:srgbClr val="5B9BD5"/>
+      </a:accent5>
+      <a:accent6>
+        <a:srgbClr val="70AD47"/>
+      </a:accent6>
+      <a:hlink>
+        <a:srgbClr val="0563C1"/>
+      </a:hlink>
+      <a:folHlink>
+        <a:srgbClr val="954F72"/>
+      </a:folHlink>
+    </a:clrScheme>
+    <a:fontScheme name="Office">
+      <a:majorFont>
+        <a:latin typeface="Calibri Light" panose="020F0302020204030204"/>
+        <a:ea typeface=""/>
+        <a:cs typeface=""/>
+        <a:font script="Jpan" typeface="游ゴシック Light"/>
+        <a:font script="Hang" typeface="맑은 고딕"/>
+        <a:font script="Hans" typeface="等线 Light"/>
+        <a:font script="Hant" typeface="新細明體"/>
+        <a:font script="Arab" typeface="Times New Roman"/>
+        <a:font script="Hebr" typeface="Times New Roman"/>
+        <a:font script="Thai" typeface="Angsana New"/>
+        <a:font script="Ethi" typeface="Nyala"/>
+        <a:font script="Beng" typeface="Vrinda"/>
+        <a:font script="Gujr" typeface="Shruti"/>
+        <a:font script="Khmr" typeface="MoolBoran"/>
+        <a:font script="Knda" typeface="Tunga"/>
+        <a:font script="Guru" typeface="Raavi"/>
+        <a:font script="Cans" typeface="Euphemia"/>
+        <a:font script="Cher" typeface="Plantagenet Cherokee"/>
+        <a:font script="Yiii" typeface="Microsoft Yi Baiti"/>
+        <a:font script="Tibt" typeface="Microsoft Himalaya"/>
+        <a:font script="Thaa" typeface="MV Boli"/>
+        <a:font script="Deva" typeface="Mangal"/>
+        <a:font script="Telu" typeface="Gautami"/>
+        <a:font script="Taml" typeface="Latha"/>
+        <a:font script="Syrc" typeface="Estrangelo Edessa"/>
+        <a:font script="Orya" typeface="Kalinga"/>
+        <a:font script="Mlym" typeface="Kartika"/>
+        <a:font script="Laoo" typeface="DokChampa"/>
+        <a:font script="Sinh" typeface="Iskoola Pota"/>
+        <a:font script="Mong" typeface="Mongolian Baiti"/>
+        <a:font script="Viet" typeface="Times New Roman"/>
+        <a:font script="Uigh" typeface="Microsoft Uighur"/>
+        <a:font script="Geor" typeface="Sylfaen"/>
+        <a:font script="Armn" typeface="Arial"/>
+        <a:font script="Bugi" typeface="Leelawadee UI"/>
+        <a:font script="Bopo" typeface="Microsoft JhengHei"/>
+        <a:font script="Java" typeface="Javanese Text"/>
+        <a:font script="Lisu" typeface="Segoe UI"/>
+        <a:font script="Mymr" typeface="Myanmar Text"/>
+        <a:font script="Nkoo" typeface="Ebrima"/>
+        <a:font script="Olck" typeface="Nirmala UI"/>
+        <a:font script="Osma" typeface="Ebrima"/>
+        <a:font script="Phag" typeface="Phagspa"/>
+        <a:font script="Syrn" typeface="Estrangelo Edessa"/>
+        <a:font script="Syrj" typeface="Estrangelo Edessa"/>
+        <a:font script="Syre" typeface="Estrangelo Edessa"/>
+        <a:font script="Sora" typeface="Nirmala UI"/>
+        <a:font script="Tale" typeface="Microsoft Tai Le"/>
+        <a:font script="Talu" typeface="Microsoft New Tai Lue"/>
+        <a:font script="Tfng" typeface="Ebrima"/>
+      </a:majorFont>
+      <a:minorFont>
+        <a:latin typeface="Calibri" panose="020F0502020204030204"/>
+        <a:ea typeface=""/>
+        <a:cs typeface=""/>
+        <a:font script="Jpan" typeface="游ゴシック"/>
+        <a:font script="Hang" typeface="맑은 고딕"/>
+        <a:font script="Hans" typeface="等线"/>
+        <a:font script="Hant" typeface="新細明體"/>
+        <a:font script="Arab" typeface="Arial"/>
+        <a:font script="Hebr" typeface="Arial"/>
+        <a:font script="Thai" typeface="Cordia New"/>
+        <a:font script="Ethi" typeface="Nyala"/>
+        <a:font script="Beng" typeface="Vrinda"/>
+        <a:font script="Gujr" typeface="Shruti"/>
+        <a:font script="Khmr" typeface="DaunPenh"/>
+        <a:font script="Knda" typeface="Tunga"/>
+        <a:font script="Guru" typeface="Raavi"/>
+        <a:font script="Cans" typeface="Euphemia"/>
+        <a:font script="Cher" typeface="Plantagenet Cherokee"/>
+        <a:font script="Yiii" typeface="Microsoft Yi Baiti"/>
+        <a:font script="Tibt" typeface="Microsoft Himalaya"/>
+        <a:font script="Thaa" typeface="MV Boli"/>
+        <a:font script="Deva" typeface="Mangal"/>
+        <a:font script="Telu" typeface="Gautami"/>
+        <a:font script="Taml" typeface="Latha"/>
+        <a:font script="Syrc" typeface="Estrangelo Edessa"/>
+        <a:font script="Orya" typeface="Kalinga"/>
+        <a:font script="Mlym" typeface="Kartika"/>
+        <a:font script="Laoo" typeface="DokChampa"/>
+        <a:font script="Sinh" typeface="Iskoola Pota"/>
+        <a:font script="Mong" typeface="Mongolian Baiti"/>
+        <a:font script="Viet" typeface="Arial"/>
+        <a:font script="Uigh" typeface="Microsoft Uighur"/>
+        <a:font script="Geor" typeface="Sylfaen"/>
+        <a:font script="Armn" typeface="Arial"/>
+        <a:font script="Bugi" typeface="Leelawadee UI"/>
+        <a:font script="Bopo" typeface="Microsoft JhengHei"/>
+        <a:font script="Java" typeface="Javanese Text"/>
+        <a:font script="Lisu" typeface="Segoe UI"/>
+        <a:font script="Mymr" typeface="Myanmar Text"/>
+        <a:font script="Nkoo" typeface="Ebrima"/>
+        <a:font script="Olck" typeface="Nirmala UI"/>
+        <a:font script="Osma" typeface="Ebrima"/>
+        <a:font script="Phag" typeface="Phagspa"/>
+        <a:font script="Syrn" typeface="Estrangelo Edessa"/>
+        <a:font script="Syrj" typeface="Estrangelo Edessa"/>
+        <a:font script="Syre" typeface="Estrangelo Edessa"/>
+        <a:font script="Sora" typeface="Nirmala UI"/>
+        <a:font script="Tale" typeface="Microsoft Tai Le"/>
+        <a:font script="Talu" typeface="Microsoft New Tai Lue"/>
+        <a:font script="Tfng" typeface="Ebrima"/>
+      </a:minorFont>
+    </a:fontScheme>
+    <a:fmtScheme name="Office">
+      <a:fillStyleLst>
+        <a:solidFill>
+          <a:schemeClr val="phClr"/>
+        </a:solidFill>
+        <a:gradFill rotWithShape="1">
+          <a:gsLst>
+            <a:gs pos="0">
+              <a:schemeClr val="phClr">
+                <a:lumMod val="110000"/>
+                <a:satMod val="105000"/>
+                <a:tint val="67000"/>
+              </a:schemeClr>
+            </a:gs>
+            <a:gs pos="50000">
+              <a:schemeClr val="phClr">
+                <a:lumMod val="105000"/>
+                <a:satMod val="103000"/>
+                <a:tint val="73000"/>
+              </a:schemeClr>
+            </a:gs>
+            <a:gs pos="100000">
+              <a:schemeClr val="phClr">
+                <a:lumMod val="105000"/>
+                <a:satMod val="109000"/>
+                <a:tint val="81000"/>
+              </a:schemeClr>
+            </a:gs>
+          </a:gsLst>
+          <a:lin ang="5400000" scaled="0"/>
+        </a:gradFill>
+        <a:gradFill rotWithShape="1">
+          <a:gsLst>
+            <a:gs pos="0">
+              <a:schemeClr val="phClr">
+                <a:satMod val="103000"/>
+                <a:lumMod val="102000"/>
+                <a:tint val="94000"/>
+              </a:schemeClr>
+            </a:gs>
+            <a:gs pos="50000">
+              <a:schemeClr val="phClr">
+                <a:satMod val="110000"/>
+                <a:lumMod val="100000"/>
+                <a:shade val="100000"/>
+              </a:schemeClr>
+            </a:gs>
+            <a:gs pos="100000">
+              <a:schemeClr val="phClr">
+                <a:lumMod val="99000"/>
+                <a:satMod val="120000"/>
+                <a:shade val="78000"/>
+              </a:schemeClr>
+            </a:gs>
+          </a:gsLst>
+          <a:lin ang="5400000" scaled="0"/>
+        </a:gradFill>
+      </a:fillStyleLst>
+      <a:lnStyleLst>
+        <a:ln w="6350" cap="flat" cmpd="sng" algn="ctr">
+          <a:solidFill>
+            <a:schemeClr val="phClr"/>
+          </a:solidFill>
+          <a:prstDash val="solid"/>
+          <a:miter lim="800000"/>
+        </a:ln>
+        <a:ln w="12700" cap="flat" cmpd="sng" algn="ctr">
+          <a:solidFill>
+            <a:schemeClr val="phClr"/>
+          </a:solidFill>
+          <a:prstDash val="solid"/>
+          <a:miter lim="800000"/>
+        </a:ln>
+        <a:ln w="19050" cap="flat" cmpd="sng" algn="ctr">
+          <a:solidFill>
+            <a:schemeClr val="phClr"/>
+          </a:solidFill>
+          <a:prstDash val="solid"/>
+          <a:miter lim="800000"/>
+        </a:ln>
+      </a:lnStyleLst>
+      <a:effectStyleLst>
+        <a:effectStyle>
+          <a:effectLst/>
+        </a:effectStyle>
+        <a:effectStyle>
+          <a:effectLst/>
+        </a:effectStyle>
+        <a:effectStyle>
+          <a:effectLst>
+            <a:outerShdw blurRad="57150" dist="19050" dir="5400000" algn="ctr" rotWithShape="0">
+              <a:srgbClr val="000000">
+                <a:alpha val="63000"/>
+              </a:srgbClr>
+            </a:outerShdw>
+          </a:effectLst>
+        </a:effectStyle>
+      </a:effectStyleLst>
+      <a:bgFillStyleLst>
+        <a:solidFill>
+          <a:schemeClr val="phClr"/>
+        </a:solidFill>
+        <a:solidFill>
+          <a:schemeClr val="phClr">
+            <a:tint val="95000"/>
+            <a:satMod val="170000"/>
+          </a:schemeClr>
+        </a:solidFill>
+        <a:gradFill rotWithShape="1">
+          <a:gsLst>
+            <a:gs pos="0">
+              <a:schemeClr val="phClr">
+                <a:tint val="93000"/>
+                <a:satMod val="150000"/>
+                <a:shade val="98000"/>
+                <a:lumMod val="102000"/>
+              </a:schemeClr>
+            </a:gs>
+            <a:gs pos="50000">
+              <a:schemeClr val="phClr">
+                <a:tint val="98000"/>
+                <a:satMod val="130000"/>
+                <a:shade val="90000"/>
+                <a:lumMod val="103000"/>
+              </a:schemeClr>
+            </a:gs>
+            <a:gs pos="100000">
+              <a:schemeClr val="phClr">
+                <a:shade val="63000"/>
+                <a:satMod val="120000"/>
+              </a:schemeClr>
+            </a:gs>
+          </a:gsLst>
+          <a:lin ang="5400000" scaled="0"/>
+        </a:gradFill>
+      </a:bgFillStyleLst>
+    </a:fmtScheme>
+  </a:themeElements>
+  <a:objectDefaults/>
+  <a:extraClrSchemeLst/>
+  <a:extLst>
+    <a:ext uri="{05A4C25C-085E-4340-85A3-A5531E510DB2}">
+      <thm15:themeFamily xmlns:thm15="http://schemas.microsoft.com/office/thememl/2012/main" name="Office Theme" id="{62F939B6-93AF-4DB8-9C6B-D6C7DFDC589F}" vid="{4A3C46E8-61CC-4603-A589-7422A47A8E4A}"/>
+    </a:ext>
+  </a:extLst>
+</a:theme>
 </file>